--- a/reference_content/Slides/NLP_2.pptx
+++ b/reference_content/Slides/NLP_2.pptx
@@ -7,16 +7,25 @@
   <p:sldIdLst>
     <p:sldId id="270" r:id="rId2"/>
     <p:sldId id="256" r:id="rId3"/>
-    <p:sldId id="260" r:id="rId4"/>
-    <p:sldId id="261" r:id="rId5"/>
-    <p:sldId id="262" r:id="rId6"/>
-    <p:sldId id="265" r:id="rId7"/>
-    <p:sldId id="266" r:id="rId8"/>
-    <p:sldId id="267" r:id="rId9"/>
-    <p:sldId id="268" r:id="rId10"/>
-    <p:sldId id="269" r:id="rId11"/>
-    <p:sldId id="263" r:id="rId12"/>
-    <p:sldId id="264" r:id="rId13"/>
+    <p:sldId id="271" r:id="rId4"/>
+    <p:sldId id="272" r:id="rId5"/>
+    <p:sldId id="273" r:id="rId6"/>
+    <p:sldId id="274" r:id="rId7"/>
+    <p:sldId id="275" r:id="rId8"/>
+    <p:sldId id="260" r:id="rId9"/>
+    <p:sldId id="261" r:id="rId10"/>
+    <p:sldId id="262" r:id="rId11"/>
+    <p:sldId id="265" r:id="rId12"/>
+    <p:sldId id="276" r:id="rId13"/>
+    <p:sldId id="266" r:id="rId14"/>
+    <p:sldId id="267" r:id="rId15"/>
+    <p:sldId id="268" r:id="rId16"/>
+    <p:sldId id="269" r:id="rId17"/>
+    <p:sldId id="277" r:id="rId18"/>
+    <p:sldId id="278" r:id="rId19"/>
+    <p:sldId id="279" r:id="rId20"/>
+    <p:sldId id="263" r:id="rId21"/>
+    <p:sldId id="264" r:id="rId22"/>
   </p:sldIdLst>
   <p:sldSz cx="12192000" cy="6858000"/>
   <p:notesSz cx="6858000" cy="9144000"/>
@@ -115,6 +124,11 @@
       </a:defRPr>
     </a:lvl9pPr>
   </p:defaultTextStyle>
+  <p:extLst>
+    <p:ext uri="{EFAFB233-063F-42B5-8137-9DF3F51BA10A}">
+      <p15:sldGuideLst xmlns:p15="http://schemas.microsoft.com/office/powerpoint/2012/main"/>
+    </p:ext>
+  </p:extLst>
 </p:presentation>
 </file>
 
@@ -257,7 +271,7 @@
           <a:p>
             <a:fld id="{1C4D3139-13C9-D140-A605-51870A8CAC8E}" type="datetimeFigureOut">
               <a:rPr lang="en-US" smtClean="0"/>
-              <a:t>2/6/22</a:t>
+              <a:t>3/7/24</a:t>
             </a:fld>
             <a:endParaRPr lang="en-US"/>
           </a:p>
@@ -468,7 +482,7 @@
           <a:p>
             <a:fld id="{1C4D3139-13C9-D140-A605-51870A8CAC8E}" type="datetimeFigureOut">
               <a:rPr lang="en-US" smtClean="0"/>
-              <a:t>2/6/22</a:t>
+              <a:t>3/7/24</a:t>
             </a:fld>
             <a:endParaRPr lang="en-US"/>
           </a:p>
@@ -683,7 +697,7 @@
           <a:p>
             <a:fld id="{1C4D3139-13C9-D140-A605-51870A8CAC8E}" type="datetimeFigureOut">
               <a:rPr lang="en-US" smtClean="0"/>
-              <a:t>2/6/22</a:t>
+              <a:t>3/7/24</a:t>
             </a:fld>
             <a:endParaRPr lang="en-US"/>
           </a:p>
@@ -884,7 +898,7 @@
           <a:p>
             <a:fld id="{1C4D3139-13C9-D140-A605-51870A8CAC8E}" type="datetimeFigureOut">
               <a:rPr lang="en-US" smtClean="0"/>
-              <a:t>2/6/22</a:t>
+              <a:t>3/7/24</a:t>
             </a:fld>
             <a:endParaRPr lang="en-US"/>
           </a:p>
@@ -1163,7 +1177,7 @@
           <a:p>
             <a:fld id="{1C4D3139-13C9-D140-A605-51870A8CAC8E}" type="datetimeFigureOut">
               <a:rPr lang="en-US" smtClean="0"/>
-              <a:t>2/6/22</a:t>
+              <a:t>3/7/24</a:t>
             </a:fld>
             <a:endParaRPr lang="en-US"/>
           </a:p>
@@ -1431,7 +1445,7 @@
           <a:p>
             <a:fld id="{1C4D3139-13C9-D140-A605-51870A8CAC8E}" type="datetimeFigureOut">
               <a:rPr lang="en-US" smtClean="0"/>
-              <a:t>2/6/22</a:t>
+              <a:t>3/7/24</a:t>
             </a:fld>
             <a:endParaRPr lang="en-US"/>
           </a:p>
@@ -1847,7 +1861,7 @@
           <a:p>
             <a:fld id="{1C4D3139-13C9-D140-A605-51870A8CAC8E}" type="datetimeFigureOut">
               <a:rPr lang="en-US" smtClean="0"/>
-              <a:t>2/6/22</a:t>
+              <a:t>3/7/24</a:t>
             </a:fld>
             <a:endParaRPr lang="en-US"/>
           </a:p>
@@ -1996,7 +2010,7 @@
           <a:p>
             <a:fld id="{1C4D3139-13C9-D140-A605-51870A8CAC8E}" type="datetimeFigureOut">
               <a:rPr lang="en-US" smtClean="0"/>
-              <a:t>2/6/22</a:t>
+              <a:t>3/7/24</a:t>
             </a:fld>
             <a:endParaRPr lang="en-US"/>
           </a:p>
@@ -2122,7 +2136,7 @@
           <a:p>
             <a:fld id="{1C4D3139-13C9-D140-A605-51870A8CAC8E}" type="datetimeFigureOut">
               <a:rPr lang="en-US" smtClean="0"/>
-              <a:t>2/6/22</a:t>
+              <a:t>3/7/24</a:t>
             </a:fld>
             <a:endParaRPr lang="en-US"/>
           </a:p>
@@ -2373,7 +2387,7 @@
           <a:p>
             <a:fld id="{1C4D3139-13C9-D140-A605-51870A8CAC8E}" type="datetimeFigureOut">
               <a:rPr lang="en-US" smtClean="0"/>
-              <a:t>2/6/22</a:t>
+              <a:t>3/7/24</a:t>
             </a:fld>
             <a:endParaRPr lang="en-US"/>
           </a:p>
@@ -2818,7 +2832,7 @@
           <a:p>
             <a:fld id="{1C4D3139-13C9-D140-A605-51870A8CAC8E}" type="datetimeFigureOut">
               <a:rPr lang="en-US" smtClean="0"/>
-              <a:t>2/6/22</a:t>
+              <a:t>3/7/24</a:t>
             </a:fld>
             <a:endParaRPr lang="en-US"/>
           </a:p>
@@ -3145,7 +3159,7 @@
           <a:p>
             <a:fld id="{1C4D3139-13C9-D140-A605-51870A8CAC8E}" type="datetimeFigureOut">
               <a:rPr lang="en-US" smtClean="0"/>
-              <a:t>2/6/22</a:t>
+              <a:t>3/7/24</a:t>
             </a:fld>
             <a:endParaRPr lang="en-US"/>
           </a:p>
@@ -3764,6 +3778,30 @@
 <file path=ppt/slides/slide10.xml><?xml version="1.0" encoding="utf-8"?>
 <p:sld xmlns:a="http://schemas.openxmlformats.org/drawingml/2006/main" xmlns:r="http://schemas.openxmlformats.org/officeDocument/2006/relationships" xmlns:p="http://schemas.openxmlformats.org/presentationml/2006/main">
   <p:cSld>
+    <p:bg>
+      <p:bgPr>
+        <a:gradFill rotWithShape="1">
+          <a:gsLst>
+            <a:gs pos="0">
+              <a:schemeClr val="bg2">
+                <a:tint val="94000"/>
+                <a:satMod val="80000"/>
+                <a:lumMod val="106000"/>
+              </a:schemeClr>
+            </a:gs>
+            <a:gs pos="100000">
+              <a:schemeClr val="bg2">
+                <a:shade val="80000"/>
+              </a:schemeClr>
+            </a:gs>
+          </a:gsLst>
+          <a:path path="circle">
+            <a:fillToRect l="43000" r="43000" b="100000"/>
+          </a:path>
+        </a:gradFill>
+        <a:effectLst/>
+      </p:bgPr>
+    </p:bg>
     <p:spTree>
       <p:nvGrpSpPr>
         <p:cNvPr id="1" name=""/>
@@ -3783,6 +3821,798 @@
           <p:cNvPr id="2" name="Title 1">
             <a:extLst>
               <a:ext uri="{FF2B5EF4-FFF2-40B4-BE49-F238E27FC236}">
+                <a16:creationId xmlns:a16="http://schemas.microsoft.com/office/drawing/2014/main" id="{CC8F23D9-B0A2-9F49-B568-BDB521FABCE3}"/>
+              </a:ext>
+            </a:extLst>
+          </p:cNvPr>
+          <p:cNvSpPr>
+            <a:spLocks noGrp="1"/>
+          </p:cNvSpPr>
+          <p:nvPr>
+            <p:ph type="title"/>
+          </p:nvPr>
+        </p:nvSpPr>
+        <p:spPr>
+          <a:xfrm>
+            <a:off x="1451579" y="804519"/>
+            <a:ext cx="9603275" cy="1049235"/>
+          </a:xfrm>
+        </p:spPr>
+        <p:txBody>
+          <a:bodyPr>
+            <a:normAutofit/>
+          </a:bodyPr>
+          <a:lstStyle/>
+          <a:p>
+            <a:r>
+              <a:rPr lang="en-US" dirty="0"/>
+              <a:t>Truncated SVD – Singular Value Decomposition</a:t>
+            </a:r>
+          </a:p>
+        </p:txBody>
+      </p:sp>
+      <p:pic>
+        <p:nvPicPr>
+          <p:cNvPr id="3074" name="Picture 2" descr="What is Latent Semantic Analysis (LSA) - Latent Semantic Analysis (LSA)  Definition from MarketMuse Blog">
+            <a:extLst>
+              <a:ext uri="{FF2B5EF4-FFF2-40B4-BE49-F238E27FC236}">
+                <a16:creationId xmlns:a16="http://schemas.microsoft.com/office/drawing/2014/main" id="{648E684A-F848-124A-BD35-934B6F66E9D1}"/>
+              </a:ext>
+            </a:extLst>
+          </p:cNvPr>
+          <p:cNvPicPr>
+            <a:picLocks noChangeAspect="1" noChangeArrowheads="1"/>
+          </p:cNvPicPr>
+          <p:nvPr/>
+        </p:nvPicPr>
+        <p:blipFill rotWithShape="1">
+          <a:blip r:embed="rId2">
+            <a:extLst>
+              <a:ext uri="{28A0092B-C50C-407E-A947-70E740481C1C}">
+                <a14:useLocalDpi xmlns:a14="http://schemas.microsoft.com/office/drawing/2010/main" val="0"/>
+              </a:ext>
+            </a:extLst>
+          </a:blip>
+          <a:stretch/>
+        </p:blipFill>
+        <p:spPr bwMode="auto">
+          <a:xfrm>
+            <a:off x="-5829" y="2345916"/>
+            <a:ext cx="6417851" cy="3610041"/>
+          </a:xfrm>
+          <a:prstGeom prst="rect">
+            <a:avLst/>
+          </a:prstGeom>
+          <a:noFill/>
+          <a:extLst>
+            <a:ext uri="{909E8E84-426E-40DD-AFC4-6F175D3DCCD1}">
+              <a14:hiddenFill xmlns:a14="http://schemas.microsoft.com/office/drawing/2010/main">
+                <a:solidFill>
+                  <a:srgbClr val="FFFFFF"/>
+                </a:solidFill>
+              </a14:hiddenFill>
+            </a:ext>
+          </a:extLst>
+        </p:spPr>
+      </p:pic>
+      <p:sp>
+        <p:nvSpPr>
+          <p:cNvPr id="3" name="Content Placeholder 2">
+            <a:extLst>
+              <a:ext uri="{FF2B5EF4-FFF2-40B4-BE49-F238E27FC236}">
+                <a16:creationId xmlns:a16="http://schemas.microsoft.com/office/drawing/2014/main" id="{C80F2139-D46F-EF48-BDC6-B0C1181D3DD9}"/>
+              </a:ext>
+            </a:extLst>
+          </p:cNvPr>
+          <p:cNvSpPr>
+            <a:spLocks noGrp="1"/>
+          </p:cNvSpPr>
+          <p:nvPr>
+            <p:ph idx="1"/>
+          </p:nvPr>
+        </p:nvSpPr>
+        <p:spPr>
+          <a:xfrm>
+            <a:off x="6490252" y="2015734"/>
+            <a:ext cx="5128591" cy="4037747"/>
+          </a:xfrm>
+        </p:spPr>
+        <p:txBody>
+          <a:bodyPr>
+            <a:normAutofit fontScale="92500"/>
+          </a:bodyPr>
+          <a:lstStyle/>
+          <a:p>
+            <a:r>
+              <a:rPr lang="en-US" dirty="0"/>
+              <a:t>Truncated SVD is the mathematical mechanics used for LSA.</a:t>
+            </a:r>
+          </a:p>
+          <a:p>
+            <a:r>
+              <a:rPr lang="en-US" dirty="0"/>
+              <a:t>SVD breaks the original data into 3:</a:t>
+            </a:r>
+          </a:p>
+          <a:p>
+            <a:pPr lvl="1"/>
+            <a:r>
+              <a:rPr lang="en-US" dirty="0"/>
+              <a:t>Documents x concepts.</a:t>
+            </a:r>
+          </a:p>
+          <a:p>
+            <a:pPr lvl="1"/>
+            <a:r>
+              <a:rPr lang="en-US" dirty="0"/>
+              <a:t>Strength of concepts.</a:t>
+            </a:r>
+          </a:p>
+          <a:p>
+            <a:pPr lvl="1"/>
+            <a:r>
+              <a:rPr lang="en-US" dirty="0"/>
+              <a:t>Concepts x terms. </a:t>
+            </a:r>
+          </a:p>
+          <a:p>
+            <a:r>
+              <a:rPr lang="en-CA" dirty="0"/>
+              <a:t>Concepts are represented as patterns of words that usually appear together in documents. For example “leash”, “treat”, and “obey” might usually appear in documents about dog training.</a:t>
+            </a:r>
+          </a:p>
+          <a:p>
+            <a:endParaRPr lang="en-US" dirty="0"/>
+          </a:p>
+        </p:txBody>
+      </p:sp>
+    </p:spTree>
+    <p:extLst>
+      <p:ext uri="{BB962C8B-B14F-4D97-AF65-F5344CB8AC3E}">
+        <p14:creationId xmlns:p14="http://schemas.microsoft.com/office/powerpoint/2010/main" val="1147780941"/>
+      </p:ext>
+    </p:extLst>
+  </p:cSld>
+  <p:clrMapOvr>
+    <a:masterClrMapping/>
+  </p:clrMapOvr>
+</p:sld>
+</file>
+
+<file path=ppt/slides/slide11.xml><?xml version="1.0" encoding="utf-8"?>
+<p:sld xmlns:a="http://schemas.openxmlformats.org/drawingml/2006/main" xmlns:r="http://schemas.openxmlformats.org/officeDocument/2006/relationships" xmlns:p="http://schemas.openxmlformats.org/presentationml/2006/main">
+  <p:cSld>
+    <p:spTree>
+      <p:nvGrpSpPr>
+        <p:cNvPr id="1" name=""/>
+        <p:cNvGrpSpPr/>
+        <p:nvPr/>
+      </p:nvGrpSpPr>
+      <p:grpSpPr>
+        <a:xfrm>
+          <a:off x="0" y="0"/>
+          <a:ext cx="0" cy="0"/>
+          <a:chOff x="0" y="0"/>
+          <a:chExt cx="0" cy="0"/>
+        </a:xfrm>
+      </p:grpSpPr>
+      <p:sp>
+        <p:nvSpPr>
+          <p:cNvPr id="2" name="Title 1">
+            <a:extLst>
+              <a:ext uri="{FF2B5EF4-FFF2-40B4-BE49-F238E27FC236}">
+                <a16:creationId xmlns:a16="http://schemas.microsoft.com/office/drawing/2014/main" id="{F7BDA15F-2865-624E-88AB-16D82E0001B0}"/>
+              </a:ext>
+            </a:extLst>
+          </p:cNvPr>
+          <p:cNvSpPr>
+            <a:spLocks noGrp="1"/>
+          </p:cNvSpPr>
+          <p:nvPr>
+            <p:ph type="title"/>
+          </p:nvPr>
+        </p:nvSpPr>
+        <p:spPr/>
+        <p:txBody>
+          <a:bodyPr/>
+          <a:lstStyle/>
+          <a:p>
+            <a:r>
+              <a:rPr lang="en-US" dirty="0"/>
+              <a:t>Truncated SVD - Results</a:t>
+            </a:r>
+          </a:p>
+        </p:txBody>
+      </p:sp>
+      <p:sp>
+        <p:nvSpPr>
+          <p:cNvPr id="3" name="Content Placeholder 2">
+            <a:extLst>
+              <a:ext uri="{FF2B5EF4-FFF2-40B4-BE49-F238E27FC236}">
+                <a16:creationId xmlns:a16="http://schemas.microsoft.com/office/drawing/2014/main" id="{088D1D4E-CD49-FA4B-B96D-7B71B4D9CEA5}"/>
+              </a:ext>
+            </a:extLst>
+          </p:cNvPr>
+          <p:cNvSpPr>
+            <a:spLocks noGrp="1"/>
+          </p:cNvSpPr>
+          <p:nvPr>
+            <p:ph idx="1"/>
+          </p:nvPr>
+        </p:nvSpPr>
+        <p:spPr>
+          <a:xfrm>
+            <a:off x="1451579" y="2015732"/>
+            <a:ext cx="9603275" cy="4037749"/>
+          </a:xfrm>
+        </p:spPr>
+        <p:txBody>
+          <a:bodyPr/>
+          <a:lstStyle/>
+          <a:p>
+            <a:r>
+              <a:rPr lang="en-US" dirty="0"/>
+              <a:t>SVD aims to capture the maximum meaning with the minimum amount of data. </a:t>
+            </a:r>
+          </a:p>
+          <a:p>
+            <a:r>
+              <a:rPr lang="en-US" dirty="0"/>
+              <a:t>Only the strongest concepts are kept. </a:t>
+            </a:r>
+          </a:p>
+          <a:p>
+            <a:r>
+              <a:rPr lang="en-US" dirty="0"/>
+              <a:t>Feature set can be massively reduced. </a:t>
+            </a:r>
+          </a:p>
+          <a:p>
+            <a:r>
+              <a:rPr lang="en-US" dirty="0"/>
+              <a:t>We don’t know a good number of components going in – we need to tune it. </a:t>
+            </a:r>
+          </a:p>
+          <a:p>
+            <a:r>
+              <a:rPr lang="en-US" dirty="0"/>
+              <a:t>Prediction accuracy is usually “close”, but with a far smaller feature set. </a:t>
+            </a:r>
+          </a:p>
+          <a:p>
+            <a:pPr lvl="1"/>
+            <a:r>
+              <a:rPr lang="en-US" dirty="0"/>
+              <a:t>Accuracy won’t (likely) increase – you are tossing data. </a:t>
+            </a:r>
+          </a:p>
+          <a:p>
+            <a:r>
+              <a:rPr lang="en-US" dirty="0"/>
+              <a:t>Can’t reliably separate different meanings of one word. </a:t>
+            </a:r>
+          </a:p>
+          <a:p>
+            <a:r>
+              <a:rPr lang="en-US" dirty="0"/>
+              <a:t>Similar to how PCA reconstructs features into more meaningful components. </a:t>
+            </a:r>
+          </a:p>
+        </p:txBody>
+      </p:sp>
+    </p:spTree>
+    <p:extLst>
+      <p:ext uri="{BB962C8B-B14F-4D97-AF65-F5344CB8AC3E}">
+        <p14:creationId xmlns:p14="http://schemas.microsoft.com/office/powerpoint/2010/main" val="3772727615"/>
+      </p:ext>
+    </p:extLst>
+  </p:cSld>
+  <p:clrMapOvr>
+    <a:masterClrMapping/>
+  </p:clrMapOvr>
+</p:sld>
+</file>
+
+<file path=ppt/slides/slide12.xml><?xml version="1.0" encoding="utf-8"?>
+<p:sld xmlns:a="http://schemas.openxmlformats.org/drawingml/2006/main" xmlns:r="http://schemas.openxmlformats.org/officeDocument/2006/relationships" xmlns:p="http://schemas.openxmlformats.org/presentationml/2006/main">
+  <p:cSld>
+    <p:spTree>
+      <p:nvGrpSpPr>
+        <p:cNvPr id="1" name=""/>
+        <p:cNvGrpSpPr/>
+        <p:nvPr/>
+      </p:nvGrpSpPr>
+      <p:grpSpPr>
+        <a:xfrm>
+          <a:off x="0" y="0"/>
+          <a:ext cx="0" cy="0"/>
+          <a:chOff x="0" y="0"/>
+          <a:chExt cx="0" cy="0"/>
+        </a:xfrm>
+      </p:grpSpPr>
+      <p:sp>
+        <p:nvSpPr>
+          <p:cNvPr id="2" name="Title 1">
+            <a:extLst>
+              <a:ext uri="{FF2B5EF4-FFF2-40B4-BE49-F238E27FC236}">
+                <a16:creationId xmlns:a16="http://schemas.microsoft.com/office/drawing/2014/main" id="{58EEC8AC-2DCC-B80D-D838-619FC0C4C14C}"/>
+              </a:ext>
+            </a:extLst>
+          </p:cNvPr>
+          <p:cNvSpPr>
+            <a:spLocks noGrp="1"/>
+          </p:cNvSpPr>
+          <p:nvPr>
+            <p:ph type="title"/>
+          </p:nvPr>
+        </p:nvSpPr>
+        <p:spPr/>
+        <p:txBody>
+          <a:bodyPr/>
+          <a:lstStyle/>
+          <a:p>
+            <a:r>
+              <a:rPr lang="en-US" dirty="0"/>
+              <a:t>Embedding Generating Tools</a:t>
+            </a:r>
+          </a:p>
+        </p:txBody>
+      </p:sp>
+      <p:sp>
+        <p:nvSpPr>
+          <p:cNvPr id="3" name="Content Placeholder 2">
+            <a:extLst>
+              <a:ext uri="{FF2B5EF4-FFF2-40B4-BE49-F238E27FC236}">
+                <a16:creationId xmlns:a16="http://schemas.microsoft.com/office/drawing/2014/main" id="{FABD49CF-7DD4-5F36-37EB-E24713DB8258}"/>
+              </a:ext>
+            </a:extLst>
+          </p:cNvPr>
+          <p:cNvSpPr>
+            <a:spLocks noGrp="1"/>
+          </p:cNvSpPr>
+          <p:nvPr>
+            <p:ph idx="1"/>
+          </p:nvPr>
+        </p:nvSpPr>
+        <p:spPr/>
+        <p:txBody>
+          <a:bodyPr/>
+          <a:lstStyle/>
+          <a:p>
+            <a:endParaRPr lang="en-US"/>
+          </a:p>
+        </p:txBody>
+      </p:sp>
+    </p:spTree>
+    <p:extLst>
+      <p:ext uri="{BB962C8B-B14F-4D97-AF65-F5344CB8AC3E}">
+        <p14:creationId xmlns:p14="http://schemas.microsoft.com/office/powerpoint/2010/main" val="1103754389"/>
+      </p:ext>
+    </p:extLst>
+  </p:cSld>
+  <p:clrMapOvr>
+    <a:masterClrMapping/>
+  </p:clrMapOvr>
+</p:sld>
+</file>
+
+<file path=ppt/slides/slide13.xml><?xml version="1.0" encoding="utf-8"?>
+<p:sld xmlns:a="http://schemas.openxmlformats.org/drawingml/2006/main" xmlns:r="http://schemas.openxmlformats.org/officeDocument/2006/relationships" xmlns:p="http://schemas.openxmlformats.org/presentationml/2006/main">
+  <p:cSld>
+    <p:spTree>
+      <p:nvGrpSpPr>
+        <p:cNvPr id="1" name=""/>
+        <p:cNvGrpSpPr/>
+        <p:nvPr/>
+      </p:nvGrpSpPr>
+      <p:grpSpPr>
+        <a:xfrm>
+          <a:off x="0" y="0"/>
+          <a:ext cx="0" cy="0"/>
+          <a:chOff x="0" y="0"/>
+          <a:chExt cx="0" cy="0"/>
+        </a:xfrm>
+      </p:grpSpPr>
+      <p:sp>
+        <p:nvSpPr>
+          <p:cNvPr id="2" name="Title 1">
+            <a:extLst>
+              <a:ext uri="{FF2B5EF4-FFF2-40B4-BE49-F238E27FC236}">
+                <a16:creationId xmlns:a16="http://schemas.microsoft.com/office/drawing/2014/main" id="{79ABC1E9-9DB9-D348-83D2-878E06DE33E3}"/>
+              </a:ext>
+            </a:extLst>
+          </p:cNvPr>
+          <p:cNvSpPr>
+            <a:spLocks noGrp="1"/>
+          </p:cNvSpPr>
+          <p:nvPr>
+            <p:ph type="title"/>
+          </p:nvPr>
+        </p:nvSpPr>
+        <p:spPr/>
+        <p:txBody>
+          <a:bodyPr/>
+          <a:lstStyle/>
+          <a:p>
+            <a:r>
+              <a:rPr lang="en-US" dirty="0"/>
+              <a:t>Word2Vec and Alternate encodings</a:t>
+            </a:r>
+          </a:p>
+        </p:txBody>
+      </p:sp>
+      <p:sp>
+        <p:nvSpPr>
+          <p:cNvPr id="3" name="Content Placeholder 2">
+            <a:extLst>
+              <a:ext uri="{FF2B5EF4-FFF2-40B4-BE49-F238E27FC236}">
+                <a16:creationId xmlns:a16="http://schemas.microsoft.com/office/drawing/2014/main" id="{3FB3ECEC-AE79-BF4D-99A3-10DDD2E855FC}"/>
+              </a:ext>
+            </a:extLst>
+          </p:cNvPr>
+          <p:cNvSpPr>
+            <a:spLocks noGrp="1"/>
+          </p:cNvSpPr>
+          <p:nvPr>
+            <p:ph idx="1"/>
+          </p:nvPr>
+        </p:nvSpPr>
+        <p:spPr>
+          <a:xfrm>
+            <a:off x="1451579" y="2015732"/>
+            <a:ext cx="9603275" cy="4037749"/>
+          </a:xfrm>
+        </p:spPr>
+        <p:txBody>
+          <a:bodyPr/>
+          <a:lstStyle/>
+          <a:p>
+            <a:r>
+              <a:rPr lang="en-US" dirty="0"/>
+              <a:t>There are lots of other NLP libraries out there that take different approaches to dealing with text. </a:t>
+            </a:r>
+          </a:p>
+          <a:p>
+            <a:r>
+              <a:rPr lang="en-US" dirty="0"/>
+              <a:t>One library we can use is Word2Vec, originally developed by Google. </a:t>
+            </a:r>
+          </a:p>
+          <a:p>
+            <a:r>
+              <a:rPr lang="en-US" dirty="0"/>
+              <a:t>Word2Vec transforms words into vector representations using a neural network. </a:t>
+            </a:r>
+          </a:p>
+          <a:p>
+            <a:r>
+              <a:rPr lang="en-US" dirty="0"/>
+              <a:t>Word2Vec looks at words and their surroundings in sentences (documents) to generate the encoding. </a:t>
+            </a:r>
+          </a:p>
+          <a:p>
+            <a:r>
+              <a:rPr lang="en-US" dirty="0"/>
+              <a:t>Each word gets a vector of values that encodes it, not just one number. </a:t>
+            </a:r>
+          </a:p>
+        </p:txBody>
+      </p:sp>
+    </p:spTree>
+    <p:extLst>
+      <p:ext uri="{BB962C8B-B14F-4D97-AF65-F5344CB8AC3E}">
+        <p14:creationId xmlns:p14="http://schemas.microsoft.com/office/powerpoint/2010/main" val="2027915239"/>
+      </p:ext>
+    </p:extLst>
+  </p:cSld>
+  <p:clrMapOvr>
+    <a:masterClrMapping/>
+  </p:clrMapOvr>
+</p:sld>
+</file>
+
+<file path=ppt/slides/slide14.xml><?xml version="1.0" encoding="utf-8"?>
+<p:sld xmlns:a="http://schemas.openxmlformats.org/drawingml/2006/main" xmlns:r="http://schemas.openxmlformats.org/officeDocument/2006/relationships" xmlns:p="http://schemas.openxmlformats.org/presentationml/2006/main">
+  <p:cSld>
+    <p:spTree>
+      <p:nvGrpSpPr>
+        <p:cNvPr id="1" name=""/>
+        <p:cNvGrpSpPr/>
+        <p:nvPr/>
+      </p:nvGrpSpPr>
+      <p:grpSpPr>
+        <a:xfrm>
+          <a:off x="0" y="0"/>
+          <a:ext cx="0" cy="0"/>
+          <a:chOff x="0" y="0"/>
+          <a:chExt cx="0" cy="0"/>
+        </a:xfrm>
+      </p:grpSpPr>
+      <p:sp>
+        <p:nvSpPr>
+          <p:cNvPr id="2" name="Title 1">
+            <a:extLst>
+              <a:ext uri="{FF2B5EF4-FFF2-40B4-BE49-F238E27FC236}">
+                <a16:creationId xmlns:a16="http://schemas.microsoft.com/office/drawing/2014/main" id="{250C2BFA-C699-9F44-9DE2-BBBD054F4D03}"/>
+              </a:ext>
+            </a:extLst>
+          </p:cNvPr>
+          <p:cNvSpPr>
+            <a:spLocks noGrp="1"/>
+          </p:cNvSpPr>
+          <p:nvPr>
+            <p:ph type="title"/>
+          </p:nvPr>
+        </p:nvSpPr>
+        <p:spPr/>
+        <p:txBody>
+          <a:bodyPr/>
+          <a:lstStyle/>
+          <a:p>
+            <a:r>
+              <a:rPr lang="en-US" dirty="0"/>
+              <a:t>Word2Vec</a:t>
+            </a:r>
+          </a:p>
+        </p:txBody>
+      </p:sp>
+      <p:sp>
+        <p:nvSpPr>
+          <p:cNvPr id="3" name="Content Placeholder 2">
+            <a:extLst>
+              <a:ext uri="{FF2B5EF4-FFF2-40B4-BE49-F238E27FC236}">
+                <a16:creationId xmlns:a16="http://schemas.microsoft.com/office/drawing/2014/main" id="{C584A36E-A132-904D-9622-96FD35E4E301}"/>
+              </a:ext>
+            </a:extLst>
+          </p:cNvPr>
+          <p:cNvSpPr>
+            <a:spLocks noGrp="1"/>
+          </p:cNvSpPr>
+          <p:nvPr>
+            <p:ph idx="1"/>
+          </p:nvPr>
+        </p:nvSpPr>
+        <p:spPr>
+          <a:xfrm>
+            <a:off x="1451579" y="3962400"/>
+            <a:ext cx="9603275" cy="1939047"/>
+          </a:xfrm>
+        </p:spPr>
+        <p:txBody>
+          <a:bodyPr/>
+          <a:lstStyle/>
+          <a:p>
+            <a:r>
+              <a:rPr lang="en-US" dirty="0"/>
+              <a:t>Each word is defined by a 100/200/2000 dimension vector of values. </a:t>
+            </a:r>
+          </a:p>
+          <a:p>
+            <a:r>
+              <a:rPr lang="en-US" dirty="0"/>
+              <a:t>Those dimensions are learned when the model is trained. </a:t>
+            </a:r>
+          </a:p>
+          <a:p>
+            <a:r>
+              <a:rPr lang="en-US" dirty="0"/>
+              <a:t>Each word is “placed” in that N-dim space, and it “sits” in an area of similar words. </a:t>
+            </a:r>
+          </a:p>
+        </p:txBody>
+      </p:sp>
+      <p:pic>
+        <p:nvPicPr>
+          <p:cNvPr id="6146" name="Picture 2">
+            <a:extLst>
+              <a:ext uri="{FF2B5EF4-FFF2-40B4-BE49-F238E27FC236}">
+                <a16:creationId xmlns:a16="http://schemas.microsoft.com/office/drawing/2014/main" id="{A298E9D5-1702-9E4D-BFA9-CF620B13414F}"/>
+              </a:ext>
+            </a:extLst>
+          </p:cNvPr>
+          <p:cNvPicPr>
+            <a:picLocks noChangeAspect="1" noChangeArrowheads="1"/>
+          </p:cNvPicPr>
+          <p:nvPr/>
+        </p:nvPicPr>
+        <p:blipFill>
+          <a:blip r:embed="rId2">
+            <a:extLst>
+              <a:ext uri="{28A0092B-C50C-407E-A947-70E740481C1C}">
+                <a14:useLocalDpi xmlns:a14="http://schemas.microsoft.com/office/drawing/2010/main" val="0"/>
+              </a:ext>
+            </a:extLst>
+          </a:blip>
+          <a:srcRect/>
+          <a:stretch>
+            <a:fillRect/>
+          </a:stretch>
+        </p:blipFill>
+        <p:spPr bwMode="auto">
+          <a:xfrm>
+            <a:off x="1640138" y="1853754"/>
+            <a:ext cx="8911723" cy="2108646"/>
+          </a:xfrm>
+          <a:prstGeom prst="rect">
+            <a:avLst/>
+          </a:prstGeom>
+          <a:noFill/>
+          <a:extLst>
+            <a:ext uri="{909E8E84-426E-40DD-AFC4-6F175D3DCCD1}">
+              <a14:hiddenFill xmlns:a14="http://schemas.microsoft.com/office/drawing/2010/main">
+                <a:solidFill>
+                  <a:srgbClr val="FFFFFF"/>
+                </a:solidFill>
+              </a14:hiddenFill>
+            </a:ext>
+          </a:extLst>
+        </p:spPr>
+      </p:pic>
+    </p:spTree>
+    <p:extLst>
+      <p:ext uri="{BB962C8B-B14F-4D97-AF65-F5344CB8AC3E}">
+        <p14:creationId xmlns:p14="http://schemas.microsoft.com/office/powerpoint/2010/main" val="1174242997"/>
+      </p:ext>
+    </p:extLst>
+  </p:cSld>
+  <p:clrMapOvr>
+    <a:masterClrMapping/>
+  </p:clrMapOvr>
+</p:sld>
+</file>
+
+<file path=ppt/slides/slide15.xml><?xml version="1.0" encoding="utf-8"?>
+<p:sld xmlns:a="http://schemas.openxmlformats.org/drawingml/2006/main" xmlns:r="http://schemas.openxmlformats.org/officeDocument/2006/relationships" xmlns:p="http://schemas.openxmlformats.org/presentationml/2006/main">
+  <p:cSld>
+    <p:spTree>
+      <p:nvGrpSpPr>
+        <p:cNvPr id="1" name=""/>
+        <p:cNvGrpSpPr/>
+        <p:nvPr/>
+      </p:nvGrpSpPr>
+      <p:grpSpPr>
+        <a:xfrm>
+          <a:off x="0" y="0"/>
+          <a:ext cx="0" cy="0"/>
+          <a:chOff x="0" y="0"/>
+          <a:chExt cx="0" cy="0"/>
+        </a:xfrm>
+      </p:grpSpPr>
+      <p:sp>
+        <p:nvSpPr>
+          <p:cNvPr id="2" name="Title 1">
+            <a:extLst>
+              <a:ext uri="{FF2B5EF4-FFF2-40B4-BE49-F238E27FC236}">
+                <a16:creationId xmlns:a16="http://schemas.microsoft.com/office/drawing/2014/main" id="{71C95609-D71B-AB4E-8925-81157B02E545}"/>
+              </a:ext>
+            </a:extLst>
+          </p:cNvPr>
+          <p:cNvSpPr>
+            <a:spLocks noGrp="1"/>
+          </p:cNvSpPr>
+          <p:nvPr>
+            <p:ph type="title"/>
+          </p:nvPr>
+        </p:nvSpPr>
+        <p:spPr/>
+        <p:txBody>
+          <a:bodyPr/>
+          <a:lstStyle/>
+          <a:p>
+            <a:r>
+              <a:rPr lang="en-US" dirty="0"/>
+              <a:t>Temporal Awareness</a:t>
+            </a:r>
+          </a:p>
+        </p:txBody>
+      </p:sp>
+      <p:sp>
+        <p:nvSpPr>
+          <p:cNvPr id="3" name="Content Placeholder 2">
+            <a:extLst>
+              <a:ext uri="{FF2B5EF4-FFF2-40B4-BE49-F238E27FC236}">
+                <a16:creationId xmlns:a16="http://schemas.microsoft.com/office/drawing/2014/main" id="{78BF3120-6F43-9442-A1C8-322B97A7B2D6}"/>
+              </a:ext>
+            </a:extLst>
+          </p:cNvPr>
+          <p:cNvSpPr>
+            <a:spLocks noGrp="1"/>
+          </p:cNvSpPr>
+          <p:nvPr>
+            <p:ph idx="1"/>
+          </p:nvPr>
+        </p:nvSpPr>
+        <p:spPr/>
+        <p:txBody>
+          <a:bodyPr/>
+          <a:lstStyle/>
+          <a:p>
+            <a:endParaRPr lang="en-US"/>
+          </a:p>
+        </p:txBody>
+      </p:sp>
+      <p:pic>
+        <p:nvPicPr>
+          <p:cNvPr id="7170" name="Picture 2">
+            <a:extLst>
+              <a:ext uri="{FF2B5EF4-FFF2-40B4-BE49-F238E27FC236}">
+                <a16:creationId xmlns:a16="http://schemas.microsoft.com/office/drawing/2014/main" id="{CEE09B02-039B-2C4A-B46D-0D99539A3AB6}"/>
+              </a:ext>
+            </a:extLst>
+          </p:cNvPr>
+          <p:cNvPicPr>
+            <a:picLocks noChangeAspect="1" noChangeArrowheads="1"/>
+          </p:cNvPicPr>
+          <p:nvPr/>
+        </p:nvPicPr>
+        <p:blipFill>
+          <a:blip r:embed="rId2">
+            <a:extLst>
+              <a:ext uri="{28A0092B-C50C-407E-A947-70E740481C1C}">
+                <a14:useLocalDpi xmlns:a14="http://schemas.microsoft.com/office/drawing/2010/main" val="0"/>
+              </a:ext>
+            </a:extLst>
+          </a:blip>
+          <a:srcRect/>
+          <a:stretch>
+            <a:fillRect/>
+          </a:stretch>
+        </p:blipFill>
+        <p:spPr bwMode="auto">
+          <a:xfrm>
+            <a:off x="2692400" y="2142652"/>
+            <a:ext cx="6807200" cy="4051300"/>
+          </a:xfrm>
+          <a:prstGeom prst="rect">
+            <a:avLst/>
+          </a:prstGeom>
+          <a:noFill/>
+          <a:extLst>
+            <a:ext uri="{909E8E84-426E-40DD-AFC4-6F175D3DCCD1}">
+              <a14:hiddenFill xmlns:a14="http://schemas.microsoft.com/office/drawing/2010/main">
+                <a:solidFill>
+                  <a:srgbClr val="FFFFFF"/>
+                </a:solidFill>
+              </a14:hiddenFill>
+            </a:ext>
+          </a:extLst>
+        </p:spPr>
+      </p:pic>
+    </p:spTree>
+    <p:extLst>
+      <p:ext uri="{BB962C8B-B14F-4D97-AF65-F5344CB8AC3E}">
+        <p14:creationId xmlns:p14="http://schemas.microsoft.com/office/powerpoint/2010/main" val="121406583"/>
+      </p:ext>
+    </p:extLst>
+  </p:cSld>
+  <p:clrMapOvr>
+    <a:masterClrMapping/>
+  </p:clrMapOvr>
+</p:sld>
+</file>
+
+<file path=ppt/slides/slide16.xml><?xml version="1.0" encoding="utf-8"?>
+<p:sld xmlns:a="http://schemas.openxmlformats.org/drawingml/2006/main" xmlns:r="http://schemas.openxmlformats.org/officeDocument/2006/relationships" xmlns:p="http://schemas.openxmlformats.org/presentationml/2006/main">
+  <p:cSld>
+    <p:spTree>
+      <p:nvGrpSpPr>
+        <p:cNvPr id="1" name=""/>
+        <p:cNvGrpSpPr/>
+        <p:nvPr/>
+      </p:nvGrpSpPr>
+      <p:grpSpPr>
+        <a:xfrm>
+          <a:off x="0" y="0"/>
+          <a:ext cx="0" cy="0"/>
+          <a:chOff x="0" y="0"/>
+          <a:chExt cx="0" cy="0"/>
+        </a:xfrm>
+      </p:grpSpPr>
+      <p:sp>
+        <p:nvSpPr>
+          <p:cNvPr id="2" name="Title 1">
+            <a:extLst>
+              <a:ext uri="{FF2B5EF4-FFF2-40B4-BE49-F238E27FC236}">
                 <a16:creationId xmlns:a16="http://schemas.microsoft.com/office/drawing/2014/main" id="{DC6E4AA9-913F-1A4D-B078-31FF9F62C8EA}"/>
               </a:ext>
             </a:extLst>
@@ -3799,7 +4629,10 @@
           <a:bodyPr/>
           <a:lstStyle/>
           <a:p>
-            <a:endParaRPr lang="en-US"/>
+            <a:r>
+              <a:rPr lang="en-US" dirty="0"/>
+              <a:t>Word2Vec uses Sequence to create Embeddings</a:t>
+            </a:r>
           </a:p>
         </p:txBody>
       </p:sp>
@@ -3857,7 +4690,7 @@
         </p:blipFill>
         <p:spPr bwMode="auto">
           <a:xfrm>
-            <a:off x="2559050" y="1301750"/>
+            <a:off x="2559050" y="2015732"/>
             <a:ext cx="7073900" cy="4254500"/>
           </a:xfrm>
           <a:prstGeom prst="rect">
@@ -3888,7 +4721,7 @@
 </p:sld>
 </file>
 
-<file path=ppt/slides/slide11.xml><?xml version="1.0" encoding="utf-8"?>
+<file path=ppt/slides/slide17.xml><?xml version="1.0" encoding="utf-8"?>
 <p:sld xmlns:a="http://schemas.openxmlformats.org/drawingml/2006/main" xmlns:r="http://schemas.openxmlformats.org/officeDocument/2006/relationships" xmlns:p="http://schemas.openxmlformats.org/presentationml/2006/main">
   <p:cSld>
     <p:spTree>
@@ -3910,7 +4743,7 @@
           <p:cNvPr id="2" name="Title 1">
             <a:extLst>
               <a:ext uri="{FF2B5EF4-FFF2-40B4-BE49-F238E27FC236}">
-                <a16:creationId xmlns:a16="http://schemas.microsoft.com/office/drawing/2014/main" id="{2F6D39ED-4049-484A-8A23-EF2C3DFB812B}"/>
+                <a16:creationId xmlns:a16="http://schemas.microsoft.com/office/drawing/2014/main" id="{8159B03E-04F7-EF5A-D8D9-115A09709A19}"/>
               </a:ext>
             </a:extLst>
           </p:cNvPr>
@@ -3928,7 +4761,7 @@
           <a:p>
             <a:r>
               <a:rPr lang="en-US" dirty="0"/>
-              <a:t>NLP in Practice</a:t>
+              <a:t>Embedding Systems</a:t>
             </a:r>
           </a:p>
         </p:txBody>
@@ -3938,7 +4771,7 @@
           <p:cNvPr id="3" name="Content Placeholder 2">
             <a:extLst>
               <a:ext uri="{FF2B5EF4-FFF2-40B4-BE49-F238E27FC236}">
-                <a16:creationId xmlns:a16="http://schemas.microsoft.com/office/drawing/2014/main" id="{776F59CA-DD5B-E345-972A-8104869FCF33}"/>
+                <a16:creationId xmlns:a16="http://schemas.microsoft.com/office/drawing/2014/main" id="{A0A3AC09-E8B8-FE2E-54A9-646D6CCA30EE}"/>
               </a:ext>
             </a:extLst>
           </p:cNvPr>
@@ -3949,47 +4782,73 @@
             <p:ph idx="1"/>
           </p:nvPr>
         </p:nvSpPr>
-        <p:spPr/>
-        <p:txBody>
-          <a:bodyPr/>
-          <a:lstStyle/>
-          <a:p>
-            <a:r>
-              <a:rPr lang="en-US" dirty="0"/>
-              <a:t>NLP is an area that is very quickly developing. </a:t>
-            </a:r>
-          </a:p>
-          <a:p>
-            <a:r>
-              <a:rPr lang="en-US" dirty="0"/>
-              <a:t>More data makes a big difference!</a:t>
+        <p:spPr>
+          <a:xfrm>
+            <a:off x="1451579" y="1853754"/>
+            <a:ext cx="9603275" cy="4199727"/>
+          </a:xfrm>
+        </p:spPr>
+        <p:txBody>
+          <a:bodyPr/>
+          <a:lstStyle/>
+          <a:p>
+            <a:r>
+              <a:rPr lang="en-US" dirty="0"/>
+              <a:t>Tools that create embeddings such as word2vec are critical in NLP models. </a:t>
+            </a:r>
+          </a:p>
+          <a:p>
+            <a:r>
+              <a:rPr lang="en-US" dirty="0"/>
+              <a:t>Models only use and predict numbers, no matter the complexity. </a:t>
             </a:r>
           </a:p>
           <a:p>
             <a:pPr lvl="1"/>
             <a:r>
               <a:rPr lang="en-US" dirty="0"/>
-              <a:t>Language has subtleties, massive datasets allow those subtleties to become patterns. </a:t>
-            </a:r>
-          </a:p>
-          <a:p>
-            <a:r>
-              <a:rPr lang="en-US" dirty="0"/>
-              <a:t>Preprocessing choices can make massive differences:</a:t>
+              <a:t>The embedding is what defines the text -&gt; numbers relationship. </a:t>
             </a:r>
           </a:p>
           <a:p>
             <a:pPr lvl="1"/>
             <a:r>
               <a:rPr lang="en-US" dirty="0"/>
-              <a:t>Stemming, lemmatization, stop words, and n-gram size all vary widely depending on context. </a:t>
+              <a:t>The better the embedding is (the closer its representations matches the ‘real’ meaning), the more accurate (with respect to actual use, not model statistics) the results will be. </a:t>
+            </a:r>
+          </a:p>
+          <a:p>
+            <a:r>
+              <a:rPr lang="en-US" dirty="0"/>
+              <a:t>Real tools use massive text sets to learn word meaning / embedding space. </a:t>
             </a:r>
           </a:p>
           <a:p>
             <a:pPr lvl="1"/>
             <a:r>
               <a:rPr lang="en-US" dirty="0"/>
-              <a:t>E.g. the word “lit” has a different lemma on Twitter, in a college English dept, or for wildfires. </a:t>
+              <a:t>Larger dimensionality can yield better results, but requires more data/time. </a:t>
+            </a:r>
+          </a:p>
+          <a:p>
+            <a:r>
+              <a:rPr lang="en-US" dirty="0"/>
+              <a:t>Key – the model learns the dimensions to use, they aren’t defined going in. </a:t>
+            </a:r>
+          </a:p>
+          <a:p>
+            <a:pPr lvl="1"/>
+            <a:r>
+              <a:rPr lang="en-US" dirty="0"/>
+              <a:t>E.g. there’s no “plural” axis, or “masculine” axis – the model learns the </a:t>
+            </a:r>
+            <a:r>
+              <a:rPr lang="en-US"/>
+              <a:t>dimensions needed and </a:t>
+            </a:r>
+            <a:r>
+              <a:rPr lang="en-US" dirty="0"/>
+              <a:t>they don’t need to correspond to the metrics that we’d use to “measure” a word. </a:t>
             </a:r>
           </a:p>
         </p:txBody>
@@ -3997,7 +4856,7 @@
     </p:spTree>
     <p:extLst>
       <p:ext uri="{BB962C8B-B14F-4D97-AF65-F5344CB8AC3E}">
-        <p14:creationId xmlns:p14="http://schemas.microsoft.com/office/powerpoint/2010/main" val="2196243548"/>
+        <p14:creationId xmlns:p14="http://schemas.microsoft.com/office/powerpoint/2010/main" val="592998705"/>
       </p:ext>
     </p:extLst>
   </p:cSld>
@@ -4007,7 +4866,7 @@
 </p:sld>
 </file>
 
-<file path=ppt/slides/slide12.xml><?xml version="1.0" encoding="utf-8"?>
+<file path=ppt/slides/slide18.xml><?xml version="1.0" encoding="utf-8"?>
 <p:sld xmlns:a="http://schemas.openxmlformats.org/drawingml/2006/main" xmlns:r="http://schemas.openxmlformats.org/officeDocument/2006/relationships" xmlns:p="http://schemas.openxmlformats.org/presentationml/2006/main">
   <p:cSld>
     <p:spTree>
@@ -4029,7 +4888,7 @@
           <p:cNvPr id="2" name="Title 1">
             <a:extLst>
               <a:ext uri="{FF2B5EF4-FFF2-40B4-BE49-F238E27FC236}">
-                <a16:creationId xmlns:a16="http://schemas.microsoft.com/office/drawing/2014/main" id="{984A237C-6E20-E34E-B7D9-06A3FF0331A8}"/>
+                <a16:creationId xmlns:a16="http://schemas.microsoft.com/office/drawing/2014/main" id="{D835ECFB-6194-91CC-3072-F1EF34FA3B76}"/>
               </a:ext>
             </a:extLst>
           </p:cNvPr>
@@ -4045,10 +4904,7 @@
           <a:bodyPr/>
           <a:lstStyle/>
           <a:p>
-            <a:r>
-              <a:rPr lang="en-US" dirty="0"/>
-              <a:t>More advanced NLP</a:t>
-            </a:r>
+            <a:endParaRPr lang="en-US"/>
           </a:p>
         </p:txBody>
       </p:sp>
@@ -4057,7 +4913,7 @@
           <p:cNvPr id="3" name="Content Placeholder 2">
             <a:extLst>
               <a:ext uri="{FF2B5EF4-FFF2-40B4-BE49-F238E27FC236}">
-                <a16:creationId xmlns:a16="http://schemas.microsoft.com/office/drawing/2014/main" id="{2CAE941D-47C9-7A41-96F7-C35BE56B8FAD}"/>
+                <a16:creationId xmlns:a16="http://schemas.microsoft.com/office/drawing/2014/main" id="{745DE9C9-9B32-28FE-3CD2-0301568E0FA5}"/>
               </a:ext>
             </a:extLst>
           </p:cNvPr>
@@ -4073,31 +4929,188 @@
           <a:bodyPr/>
           <a:lstStyle/>
           <a:p>
-            <a:r>
-              <a:rPr lang="en-US" dirty="0"/>
-              <a:t>Many NLP tools are used in concert with neural networks. </a:t>
-            </a:r>
-          </a:p>
-          <a:p>
-            <a:pPr lvl="1"/>
-            <a:r>
-              <a:rPr lang="en-US" dirty="0"/>
-              <a:t>We’ll revisit some later on towards the end. </a:t>
-            </a:r>
-          </a:p>
-          <a:p>
-            <a:pPr lvl="1"/>
-            <a:r>
-              <a:rPr lang="en-US" dirty="0"/>
-              <a:t>NNs “suit” the challenge of extracting patterns from large datasets. </a:t>
-            </a:r>
-          </a:p>
-        </p:txBody>
-      </p:sp>
+            <a:endParaRPr lang="en-US"/>
+          </a:p>
+        </p:txBody>
+      </p:sp>
+      <p:pic>
+        <p:nvPicPr>
+          <p:cNvPr id="1026" name="Picture 2" descr="How to Develop Word Embeddings in Python with Gensim -  MachineLearningMastery.com">
+            <a:extLst>
+              <a:ext uri="{FF2B5EF4-FFF2-40B4-BE49-F238E27FC236}">
+                <a16:creationId xmlns:a16="http://schemas.microsoft.com/office/drawing/2014/main" id="{AB49025B-33C1-F887-DBB8-637B1D48959A}"/>
+              </a:ext>
+            </a:extLst>
+          </p:cNvPr>
+          <p:cNvPicPr>
+            <a:picLocks noChangeAspect="1" noChangeArrowheads="1"/>
+          </p:cNvPicPr>
+          <p:nvPr/>
+        </p:nvPicPr>
+        <p:blipFill>
+          <a:blip r:embed="rId2">
+            <a:extLst>
+              <a:ext uri="{28A0092B-C50C-407E-A947-70E740481C1C}">
+                <a14:useLocalDpi xmlns:a14="http://schemas.microsoft.com/office/drawing/2010/main" val="0"/>
+              </a:ext>
+            </a:extLst>
+          </a:blip>
+          <a:srcRect/>
+          <a:stretch>
+            <a:fillRect/>
+          </a:stretch>
+        </p:blipFill>
+        <p:spPr bwMode="auto">
+          <a:xfrm>
+            <a:off x="1524000" y="0"/>
+            <a:ext cx="9144000" cy="6858000"/>
+          </a:xfrm>
+          <a:prstGeom prst="rect">
+            <a:avLst/>
+          </a:prstGeom>
+          <a:noFill/>
+          <a:extLst>
+            <a:ext uri="{909E8E84-426E-40DD-AFC4-6F175D3DCCD1}">
+              <a14:hiddenFill xmlns:a14="http://schemas.microsoft.com/office/drawing/2010/main">
+                <a:solidFill>
+                  <a:srgbClr val="FFFFFF"/>
+                </a:solidFill>
+              </a14:hiddenFill>
+            </a:ext>
+          </a:extLst>
+        </p:spPr>
+      </p:pic>
     </p:spTree>
     <p:extLst>
       <p:ext uri="{BB962C8B-B14F-4D97-AF65-F5344CB8AC3E}">
-        <p14:creationId xmlns:p14="http://schemas.microsoft.com/office/powerpoint/2010/main" val="488913720"/>
+        <p14:creationId xmlns:p14="http://schemas.microsoft.com/office/powerpoint/2010/main" val="2235428637"/>
+      </p:ext>
+    </p:extLst>
+  </p:cSld>
+  <p:clrMapOvr>
+    <a:masterClrMapping/>
+  </p:clrMapOvr>
+</p:sld>
+</file>
+
+<file path=ppt/slides/slide19.xml><?xml version="1.0" encoding="utf-8"?>
+<p:sld xmlns:a="http://schemas.openxmlformats.org/drawingml/2006/main" xmlns:r="http://schemas.openxmlformats.org/officeDocument/2006/relationships" xmlns:p="http://schemas.openxmlformats.org/presentationml/2006/main">
+  <p:cSld>
+    <p:spTree>
+      <p:nvGrpSpPr>
+        <p:cNvPr id="1" name=""/>
+        <p:cNvGrpSpPr/>
+        <p:nvPr/>
+      </p:nvGrpSpPr>
+      <p:grpSpPr>
+        <a:xfrm>
+          <a:off x="0" y="0"/>
+          <a:ext cx="0" cy="0"/>
+          <a:chOff x="0" y="0"/>
+          <a:chExt cx="0" cy="0"/>
+        </a:xfrm>
+      </p:grpSpPr>
+      <p:sp>
+        <p:nvSpPr>
+          <p:cNvPr id="2" name="Title 1">
+            <a:extLst>
+              <a:ext uri="{FF2B5EF4-FFF2-40B4-BE49-F238E27FC236}">
+                <a16:creationId xmlns:a16="http://schemas.microsoft.com/office/drawing/2014/main" id="{94C13580-C066-403C-F510-0D51B59D4054}"/>
+              </a:ext>
+            </a:extLst>
+          </p:cNvPr>
+          <p:cNvSpPr>
+            <a:spLocks noGrp="1"/>
+          </p:cNvSpPr>
+          <p:nvPr>
+            <p:ph type="title"/>
+          </p:nvPr>
+        </p:nvSpPr>
+        <p:spPr/>
+        <p:txBody>
+          <a:bodyPr/>
+          <a:lstStyle/>
+          <a:p>
+            <a:endParaRPr lang="en-US"/>
+          </a:p>
+        </p:txBody>
+      </p:sp>
+      <p:sp>
+        <p:nvSpPr>
+          <p:cNvPr id="3" name="Content Placeholder 2">
+            <a:extLst>
+              <a:ext uri="{FF2B5EF4-FFF2-40B4-BE49-F238E27FC236}">
+                <a16:creationId xmlns:a16="http://schemas.microsoft.com/office/drawing/2014/main" id="{10997F70-73BA-9251-7164-424F69DC9A03}"/>
+              </a:ext>
+            </a:extLst>
+          </p:cNvPr>
+          <p:cNvSpPr>
+            <a:spLocks noGrp="1"/>
+          </p:cNvSpPr>
+          <p:nvPr>
+            <p:ph idx="1"/>
+          </p:nvPr>
+        </p:nvSpPr>
+        <p:spPr/>
+        <p:txBody>
+          <a:bodyPr/>
+          <a:lstStyle/>
+          <a:p>
+            <a:endParaRPr lang="en-US"/>
+          </a:p>
+        </p:txBody>
+      </p:sp>
+      <p:pic>
+        <p:nvPicPr>
+          <p:cNvPr id="2050" name="Picture 2" descr="vector - word mapping for 2D word embedding - Stack Overflow">
+            <a:extLst>
+              <a:ext uri="{FF2B5EF4-FFF2-40B4-BE49-F238E27FC236}">
+                <a16:creationId xmlns:a16="http://schemas.microsoft.com/office/drawing/2014/main" id="{CE1DA12F-1873-06E6-2B79-EB882E5F91BA}"/>
+              </a:ext>
+            </a:extLst>
+          </p:cNvPr>
+          <p:cNvPicPr>
+            <a:picLocks noChangeAspect="1" noChangeArrowheads="1"/>
+          </p:cNvPicPr>
+          <p:nvPr/>
+        </p:nvPicPr>
+        <p:blipFill>
+          <a:blip r:embed="rId2">
+            <a:extLst>
+              <a:ext uri="{28A0092B-C50C-407E-A947-70E740481C1C}">
+                <a14:useLocalDpi xmlns:a14="http://schemas.microsoft.com/office/drawing/2010/main" val="0"/>
+              </a:ext>
+            </a:extLst>
+          </a:blip>
+          <a:srcRect/>
+          <a:stretch>
+            <a:fillRect/>
+          </a:stretch>
+        </p:blipFill>
+        <p:spPr bwMode="auto">
+          <a:xfrm>
+            <a:off x="2667000" y="0"/>
+            <a:ext cx="6858000" cy="6858000"/>
+          </a:xfrm>
+          <a:prstGeom prst="rect">
+            <a:avLst/>
+          </a:prstGeom>
+          <a:noFill/>
+          <a:extLst>
+            <a:ext uri="{909E8E84-426E-40DD-AFC4-6F175D3DCCD1}">
+              <a14:hiddenFill xmlns:a14="http://schemas.microsoft.com/office/drawing/2010/main">
+                <a:solidFill>
+                  <a:srgbClr val="FFFFFF"/>
+                </a:solidFill>
+              </a14:hiddenFill>
+            </a:ext>
+          </a:extLst>
+        </p:spPr>
+      </p:pic>
+    </p:spTree>
+    <p:extLst>
+      <p:ext uri="{BB962C8B-B14F-4D97-AF65-F5344CB8AC3E}">
+        <p14:creationId xmlns:p14="http://schemas.microsoft.com/office/powerpoint/2010/main" val="3825656030"/>
       </p:ext>
     </p:extLst>
   </p:cSld>
@@ -4190,7 +5203,962 @@
 </p:sld>
 </file>
 
+<file path=ppt/slides/slide20.xml><?xml version="1.0" encoding="utf-8"?>
+<p:sld xmlns:a="http://schemas.openxmlformats.org/drawingml/2006/main" xmlns:r="http://schemas.openxmlformats.org/officeDocument/2006/relationships" xmlns:p="http://schemas.openxmlformats.org/presentationml/2006/main">
+  <p:cSld>
+    <p:spTree>
+      <p:nvGrpSpPr>
+        <p:cNvPr id="1" name=""/>
+        <p:cNvGrpSpPr/>
+        <p:nvPr/>
+      </p:nvGrpSpPr>
+      <p:grpSpPr>
+        <a:xfrm>
+          <a:off x="0" y="0"/>
+          <a:ext cx="0" cy="0"/>
+          <a:chOff x="0" y="0"/>
+          <a:chExt cx="0" cy="0"/>
+        </a:xfrm>
+      </p:grpSpPr>
+      <p:sp>
+        <p:nvSpPr>
+          <p:cNvPr id="2" name="Title 1">
+            <a:extLst>
+              <a:ext uri="{FF2B5EF4-FFF2-40B4-BE49-F238E27FC236}">
+                <a16:creationId xmlns:a16="http://schemas.microsoft.com/office/drawing/2014/main" id="{2F6D39ED-4049-484A-8A23-EF2C3DFB812B}"/>
+              </a:ext>
+            </a:extLst>
+          </p:cNvPr>
+          <p:cNvSpPr>
+            <a:spLocks noGrp="1"/>
+          </p:cNvSpPr>
+          <p:nvPr>
+            <p:ph type="title"/>
+          </p:nvPr>
+        </p:nvSpPr>
+        <p:spPr/>
+        <p:txBody>
+          <a:bodyPr/>
+          <a:lstStyle/>
+          <a:p>
+            <a:r>
+              <a:rPr lang="en-US" dirty="0"/>
+              <a:t>NLP in Practice</a:t>
+            </a:r>
+          </a:p>
+        </p:txBody>
+      </p:sp>
+      <p:sp>
+        <p:nvSpPr>
+          <p:cNvPr id="3" name="Content Placeholder 2">
+            <a:extLst>
+              <a:ext uri="{FF2B5EF4-FFF2-40B4-BE49-F238E27FC236}">
+                <a16:creationId xmlns:a16="http://schemas.microsoft.com/office/drawing/2014/main" id="{776F59CA-DD5B-E345-972A-8104869FCF33}"/>
+              </a:ext>
+            </a:extLst>
+          </p:cNvPr>
+          <p:cNvSpPr>
+            <a:spLocks noGrp="1"/>
+          </p:cNvSpPr>
+          <p:nvPr>
+            <p:ph idx="1"/>
+          </p:nvPr>
+        </p:nvSpPr>
+        <p:spPr/>
+        <p:txBody>
+          <a:bodyPr/>
+          <a:lstStyle/>
+          <a:p>
+            <a:r>
+              <a:rPr lang="en-US" dirty="0"/>
+              <a:t>NLP is an area that is very quickly developing. </a:t>
+            </a:r>
+          </a:p>
+          <a:p>
+            <a:r>
+              <a:rPr lang="en-US" dirty="0"/>
+              <a:t>More data makes a big difference!</a:t>
+            </a:r>
+          </a:p>
+          <a:p>
+            <a:pPr lvl="1"/>
+            <a:r>
+              <a:rPr lang="en-US" dirty="0"/>
+              <a:t>Language has subtleties, massive datasets allow those subtleties to become patterns. </a:t>
+            </a:r>
+          </a:p>
+          <a:p>
+            <a:r>
+              <a:rPr lang="en-US" dirty="0"/>
+              <a:t>Preprocessing choices can make massive differences:</a:t>
+            </a:r>
+          </a:p>
+          <a:p>
+            <a:pPr lvl="1"/>
+            <a:r>
+              <a:rPr lang="en-US" dirty="0"/>
+              <a:t>Stemming, lemmatization, stop words, and n-gram size all vary widely depending on context. </a:t>
+            </a:r>
+          </a:p>
+          <a:p>
+            <a:pPr lvl="1"/>
+            <a:r>
+              <a:rPr lang="en-US" dirty="0"/>
+              <a:t>E.g. the word “lit” has a different lemma on Twitter, in a college English dept, or for wildfires. </a:t>
+            </a:r>
+          </a:p>
+        </p:txBody>
+      </p:sp>
+    </p:spTree>
+    <p:extLst>
+      <p:ext uri="{BB962C8B-B14F-4D97-AF65-F5344CB8AC3E}">
+        <p14:creationId xmlns:p14="http://schemas.microsoft.com/office/powerpoint/2010/main" val="2196243548"/>
+      </p:ext>
+    </p:extLst>
+  </p:cSld>
+  <p:clrMapOvr>
+    <a:masterClrMapping/>
+  </p:clrMapOvr>
+</p:sld>
+</file>
+
+<file path=ppt/slides/slide21.xml><?xml version="1.0" encoding="utf-8"?>
+<p:sld xmlns:a="http://schemas.openxmlformats.org/drawingml/2006/main" xmlns:r="http://schemas.openxmlformats.org/officeDocument/2006/relationships" xmlns:p="http://schemas.openxmlformats.org/presentationml/2006/main">
+  <p:cSld>
+    <p:spTree>
+      <p:nvGrpSpPr>
+        <p:cNvPr id="1" name=""/>
+        <p:cNvGrpSpPr/>
+        <p:nvPr/>
+      </p:nvGrpSpPr>
+      <p:grpSpPr>
+        <a:xfrm>
+          <a:off x="0" y="0"/>
+          <a:ext cx="0" cy="0"/>
+          <a:chOff x="0" y="0"/>
+          <a:chExt cx="0" cy="0"/>
+        </a:xfrm>
+      </p:grpSpPr>
+      <p:sp>
+        <p:nvSpPr>
+          <p:cNvPr id="2" name="Title 1">
+            <a:extLst>
+              <a:ext uri="{FF2B5EF4-FFF2-40B4-BE49-F238E27FC236}">
+                <a16:creationId xmlns:a16="http://schemas.microsoft.com/office/drawing/2014/main" id="{984A237C-6E20-E34E-B7D9-06A3FF0331A8}"/>
+              </a:ext>
+            </a:extLst>
+          </p:cNvPr>
+          <p:cNvSpPr>
+            <a:spLocks noGrp="1"/>
+          </p:cNvSpPr>
+          <p:nvPr>
+            <p:ph type="title"/>
+          </p:nvPr>
+        </p:nvSpPr>
+        <p:spPr/>
+        <p:txBody>
+          <a:bodyPr/>
+          <a:lstStyle/>
+          <a:p>
+            <a:r>
+              <a:rPr lang="en-US" dirty="0"/>
+              <a:t>More advanced NLP</a:t>
+            </a:r>
+          </a:p>
+        </p:txBody>
+      </p:sp>
+      <p:sp>
+        <p:nvSpPr>
+          <p:cNvPr id="3" name="Content Placeholder 2">
+            <a:extLst>
+              <a:ext uri="{FF2B5EF4-FFF2-40B4-BE49-F238E27FC236}">
+                <a16:creationId xmlns:a16="http://schemas.microsoft.com/office/drawing/2014/main" id="{2CAE941D-47C9-7A41-96F7-C35BE56B8FAD}"/>
+              </a:ext>
+            </a:extLst>
+          </p:cNvPr>
+          <p:cNvSpPr>
+            <a:spLocks noGrp="1"/>
+          </p:cNvSpPr>
+          <p:nvPr>
+            <p:ph idx="1"/>
+          </p:nvPr>
+        </p:nvSpPr>
+        <p:spPr>
+          <a:xfrm>
+            <a:off x="1451579" y="2015732"/>
+            <a:ext cx="9603275" cy="3982991"/>
+          </a:xfrm>
+        </p:spPr>
+        <p:txBody>
+          <a:bodyPr/>
+          <a:lstStyle/>
+          <a:p>
+            <a:r>
+              <a:rPr lang="en-US" dirty="0"/>
+              <a:t>Many NLP tools are used in concert with neural networks. </a:t>
+            </a:r>
+          </a:p>
+          <a:p>
+            <a:pPr lvl="1"/>
+            <a:r>
+              <a:rPr lang="en-US" dirty="0"/>
+              <a:t>We’ll revisit some later on towards the end. </a:t>
+            </a:r>
+          </a:p>
+          <a:p>
+            <a:pPr lvl="1"/>
+            <a:r>
+              <a:rPr lang="en-US" dirty="0"/>
+              <a:t>NNs “suit” the challenge of extracting patterns from large datasets. </a:t>
+            </a:r>
+          </a:p>
+          <a:p>
+            <a:r>
+              <a:rPr lang="en-US" dirty="0"/>
+              <a:t>Recurrent neural networks and transformers are model types that are good at NLP. </a:t>
+            </a:r>
+          </a:p>
+          <a:p>
+            <a:pPr lvl="1"/>
+            <a:r>
+              <a:rPr lang="en-US" dirty="0"/>
+              <a:t>Good at capturing sequence of tokens – important for actual language. </a:t>
+            </a:r>
+          </a:p>
+          <a:p>
+            <a:pPr lvl="1"/>
+            <a:r>
+              <a:rPr lang="en-US" dirty="0"/>
+              <a:t>These tools enable text generation – predict the next word, and generate it. </a:t>
+            </a:r>
+          </a:p>
+          <a:p>
+            <a:pPr lvl="1"/>
+            <a:r>
+              <a:rPr lang="en-US" dirty="0"/>
+              <a:t>I.e. what value (in N-dim) should the next word have? Choose a word that is embedded close to that ‘correct’ word. </a:t>
+            </a:r>
+          </a:p>
+        </p:txBody>
+      </p:sp>
+    </p:spTree>
+    <p:extLst>
+      <p:ext uri="{BB962C8B-B14F-4D97-AF65-F5344CB8AC3E}">
+        <p14:creationId xmlns:p14="http://schemas.microsoft.com/office/powerpoint/2010/main" val="488913720"/>
+      </p:ext>
+    </p:extLst>
+  </p:cSld>
+  <p:clrMapOvr>
+    <a:masterClrMapping/>
+  </p:clrMapOvr>
+</p:sld>
+</file>
+
 <file path=ppt/slides/slide3.xml><?xml version="1.0" encoding="utf-8"?>
+<p:sld xmlns:a="http://schemas.openxmlformats.org/drawingml/2006/main" xmlns:r="http://schemas.openxmlformats.org/officeDocument/2006/relationships" xmlns:p="http://schemas.openxmlformats.org/presentationml/2006/main">
+  <p:cSld>
+    <p:spTree>
+      <p:nvGrpSpPr>
+        <p:cNvPr id="1" name=""/>
+        <p:cNvGrpSpPr/>
+        <p:nvPr/>
+      </p:nvGrpSpPr>
+      <p:grpSpPr>
+        <a:xfrm>
+          <a:off x="0" y="0"/>
+          <a:ext cx="0" cy="0"/>
+          <a:chOff x="0" y="0"/>
+          <a:chExt cx="0" cy="0"/>
+        </a:xfrm>
+      </p:grpSpPr>
+      <p:sp>
+        <p:nvSpPr>
+          <p:cNvPr id="2" name="Title 1">
+            <a:extLst>
+              <a:ext uri="{FF2B5EF4-FFF2-40B4-BE49-F238E27FC236}">
+                <a16:creationId xmlns:a16="http://schemas.microsoft.com/office/drawing/2014/main" id="{975ECA53-E686-75D2-3F6C-4D91841474F9}"/>
+              </a:ext>
+            </a:extLst>
+          </p:cNvPr>
+          <p:cNvSpPr>
+            <a:spLocks noGrp="1"/>
+          </p:cNvSpPr>
+          <p:nvPr>
+            <p:ph type="title"/>
+          </p:nvPr>
+        </p:nvSpPr>
+        <p:spPr/>
+        <p:txBody>
+          <a:bodyPr/>
+          <a:lstStyle/>
+          <a:p>
+            <a:r>
+              <a:rPr lang="en-US" dirty="0"/>
+              <a:t>Natural Language Processing Intro</a:t>
+            </a:r>
+          </a:p>
+        </p:txBody>
+      </p:sp>
+      <p:sp>
+        <p:nvSpPr>
+          <p:cNvPr id="3" name="Content Placeholder 2">
+            <a:extLst>
+              <a:ext uri="{FF2B5EF4-FFF2-40B4-BE49-F238E27FC236}">
+                <a16:creationId xmlns:a16="http://schemas.microsoft.com/office/drawing/2014/main" id="{6FE30764-4B1F-4F0B-4EF5-06F5C7594A3B}"/>
+              </a:ext>
+            </a:extLst>
+          </p:cNvPr>
+          <p:cNvSpPr>
+            <a:spLocks noGrp="1"/>
+          </p:cNvSpPr>
+          <p:nvPr>
+            <p:ph idx="1"/>
+          </p:nvPr>
+        </p:nvSpPr>
+        <p:spPr>
+          <a:xfrm>
+            <a:off x="1451579" y="1853754"/>
+            <a:ext cx="9603275" cy="4199727"/>
+          </a:xfrm>
+        </p:spPr>
+        <p:txBody>
+          <a:bodyPr/>
+          <a:lstStyle/>
+          <a:p>
+            <a:r>
+              <a:rPr lang="en-US" dirty="0"/>
+              <a:t>We can use text as a feature set to do predictive modelling. </a:t>
+            </a:r>
+          </a:p>
+          <a:p>
+            <a:pPr lvl="1"/>
+            <a:r>
+              <a:rPr lang="en-US" dirty="0"/>
+              <a:t>X is our feature set – the text after its processing. </a:t>
+            </a:r>
+          </a:p>
+          <a:p>
+            <a:pPr lvl="1"/>
+            <a:r>
+              <a:rPr lang="en-US" dirty="0"/>
+              <a:t>Y is our target – something external. E.g. positive/negative review, spam/not spam. </a:t>
+            </a:r>
+          </a:p>
+          <a:p>
+            <a:pPr lvl="1"/>
+            <a:r>
+              <a:rPr lang="en-US" dirty="0"/>
+              <a:t>We end up with a ‘normal’ array of data, that we can then TTS, predict, </a:t>
+            </a:r>
+            <a:r>
+              <a:rPr lang="en-US" dirty="0" err="1"/>
+              <a:t>etc</a:t>
+            </a:r>
+            <a:r>
+              <a:rPr lang="en-US" dirty="0"/>
+              <a:t>…</a:t>
+            </a:r>
+          </a:p>
+          <a:p>
+            <a:r>
+              <a:rPr lang="en-US" dirty="0"/>
+              <a:t>NLP uses some specific terms:</a:t>
+            </a:r>
+          </a:p>
+          <a:p>
+            <a:pPr lvl="1"/>
+            <a:r>
+              <a:rPr lang="en-US" dirty="0"/>
+              <a:t>Corpus – all the text that we are using. </a:t>
+            </a:r>
+          </a:p>
+          <a:p>
+            <a:pPr lvl="1"/>
+            <a:r>
+              <a:rPr lang="en-US" dirty="0"/>
+              <a:t>Document – one ‘piece’ of text. Normally a sentence or line. </a:t>
+            </a:r>
+          </a:p>
+          <a:p>
+            <a:pPr lvl="1"/>
+            <a:r>
+              <a:rPr lang="en-US" dirty="0"/>
+              <a:t>Vocabulary – all the tokens (words/terms) that is in our corpus. </a:t>
+            </a:r>
+          </a:p>
+          <a:p>
+            <a:r>
+              <a:rPr lang="en-US" dirty="0"/>
+              <a:t>Creating the feature set from the text involves some preparation. </a:t>
+            </a:r>
+          </a:p>
+          <a:p>
+            <a:pPr lvl="1"/>
+            <a:r>
+              <a:rPr lang="en-US" dirty="0"/>
+              <a:t>Text is first tokenized – transformed into individual ‘terms’ (words or n-grams). </a:t>
+            </a:r>
+          </a:p>
+        </p:txBody>
+      </p:sp>
+    </p:spTree>
+    <p:extLst>
+      <p:ext uri="{BB962C8B-B14F-4D97-AF65-F5344CB8AC3E}">
+        <p14:creationId xmlns:p14="http://schemas.microsoft.com/office/powerpoint/2010/main" val="1605237893"/>
+      </p:ext>
+    </p:extLst>
+  </p:cSld>
+  <p:clrMapOvr>
+    <a:masterClrMapping/>
+  </p:clrMapOvr>
+</p:sld>
+</file>
+
+<file path=ppt/slides/slide4.xml><?xml version="1.0" encoding="utf-8"?>
+<p:sld xmlns:a="http://schemas.openxmlformats.org/drawingml/2006/main" xmlns:r="http://schemas.openxmlformats.org/officeDocument/2006/relationships" xmlns:p="http://schemas.openxmlformats.org/presentationml/2006/main">
+  <p:cSld>
+    <p:spTree>
+      <p:nvGrpSpPr>
+        <p:cNvPr id="1" name=""/>
+        <p:cNvGrpSpPr/>
+        <p:nvPr/>
+      </p:nvGrpSpPr>
+      <p:grpSpPr>
+        <a:xfrm>
+          <a:off x="0" y="0"/>
+          <a:ext cx="0" cy="0"/>
+          <a:chOff x="0" y="0"/>
+          <a:chExt cx="0" cy="0"/>
+        </a:xfrm>
+      </p:grpSpPr>
+      <p:sp>
+        <p:nvSpPr>
+          <p:cNvPr id="2" name="Title 1">
+            <a:extLst>
+              <a:ext uri="{FF2B5EF4-FFF2-40B4-BE49-F238E27FC236}">
+                <a16:creationId xmlns:a16="http://schemas.microsoft.com/office/drawing/2014/main" id="{9388007C-70FB-789B-403A-EC838F0D8CB2}"/>
+              </a:ext>
+            </a:extLst>
+          </p:cNvPr>
+          <p:cNvSpPr>
+            <a:spLocks noGrp="1"/>
+          </p:cNvSpPr>
+          <p:nvPr>
+            <p:ph type="title"/>
+          </p:nvPr>
+        </p:nvSpPr>
+        <p:spPr/>
+        <p:txBody>
+          <a:bodyPr/>
+          <a:lstStyle/>
+          <a:p>
+            <a:r>
+              <a:rPr lang="en-US" dirty="0"/>
+              <a:t>Vectorization </a:t>
+            </a:r>
+          </a:p>
+        </p:txBody>
+      </p:sp>
+      <p:sp>
+        <p:nvSpPr>
+          <p:cNvPr id="3" name="Content Placeholder 2">
+            <a:extLst>
+              <a:ext uri="{FF2B5EF4-FFF2-40B4-BE49-F238E27FC236}">
+                <a16:creationId xmlns:a16="http://schemas.microsoft.com/office/drawing/2014/main" id="{AC307A0B-3132-B113-8D27-0DEA73CDF445}"/>
+              </a:ext>
+            </a:extLst>
+          </p:cNvPr>
+          <p:cNvSpPr>
+            <a:spLocks noGrp="1"/>
+          </p:cNvSpPr>
+          <p:nvPr>
+            <p:ph idx="1"/>
+          </p:nvPr>
+        </p:nvSpPr>
+        <p:spPr>
+          <a:xfrm>
+            <a:off x="1451579" y="1853754"/>
+            <a:ext cx="9603275" cy="4199727"/>
+          </a:xfrm>
+        </p:spPr>
+        <p:txBody>
+          <a:bodyPr/>
+          <a:lstStyle/>
+          <a:p>
+            <a:r>
+              <a:rPr lang="en-US" dirty="0"/>
+              <a:t>Turning the text into numbers – vectorization. </a:t>
+            </a:r>
+          </a:p>
+          <a:p>
+            <a:pPr lvl="1"/>
+            <a:r>
+              <a:rPr lang="en-US" dirty="0"/>
+              <a:t>We translate the free text into a numerical representation of that text. </a:t>
+            </a:r>
+          </a:p>
+          <a:p>
+            <a:pPr lvl="1"/>
+            <a:r>
+              <a:rPr lang="en-US" dirty="0"/>
+              <a:t>Simple vectorization is based on counts of words in that piece of text. </a:t>
+            </a:r>
+          </a:p>
+          <a:p>
+            <a:pPr lvl="1"/>
+            <a:r>
+              <a:rPr lang="en-US" dirty="0"/>
+              <a:t>More elaborate vectorization calculates a value based on frequency (</a:t>
+            </a:r>
+            <a:r>
+              <a:rPr lang="en-US" dirty="0" err="1"/>
+              <a:t>tf-idf</a:t>
+            </a:r>
+            <a:r>
+              <a:rPr lang="en-US" dirty="0"/>
+              <a:t>). </a:t>
+            </a:r>
+          </a:p>
+          <a:p>
+            <a:pPr lvl="1"/>
+            <a:r>
+              <a:rPr lang="en-US" dirty="0"/>
+              <a:t>Result is a set of numbers (a vector) that represents the document we started with. </a:t>
+            </a:r>
+          </a:p>
+          <a:p>
+            <a:r>
+              <a:rPr lang="en-US" dirty="0"/>
+              <a:t>Text-y data preparation tools are also involved:</a:t>
+            </a:r>
+          </a:p>
+          <a:p>
+            <a:pPr lvl="1"/>
+            <a:r>
+              <a:rPr lang="en-US" dirty="0"/>
+              <a:t>Removing stop words – get rid of ‘a’, ’the’, ‘it’, </a:t>
+            </a:r>
+            <a:r>
+              <a:rPr lang="en-US" dirty="0" err="1"/>
+              <a:t>etc</a:t>
+            </a:r>
+            <a:r>
+              <a:rPr lang="en-US" dirty="0"/>
+              <a:t>… as they don’t really change meaning. </a:t>
+            </a:r>
+          </a:p>
+          <a:p>
+            <a:pPr lvl="1"/>
+            <a:r>
+              <a:rPr lang="en-US" dirty="0"/>
+              <a:t>Stemming – chopping words down to their root. E.g. Skiing -&gt; ski. </a:t>
+            </a:r>
+          </a:p>
+          <a:p>
+            <a:pPr lvl="1"/>
+            <a:r>
+              <a:rPr lang="en-US" dirty="0"/>
+              <a:t>Lemmatization – reducing words down to their root meaning. Chuckling -&gt; laugh. </a:t>
+            </a:r>
+          </a:p>
+          <a:p>
+            <a:r>
+              <a:rPr lang="en-US" dirty="0"/>
+              <a:t>The goal is to have a vector that “means” the same as the original text. </a:t>
+            </a:r>
+          </a:p>
+          <a:p>
+            <a:endParaRPr lang="en-US" dirty="0"/>
+          </a:p>
+        </p:txBody>
+      </p:sp>
+    </p:spTree>
+    <p:extLst>
+      <p:ext uri="{BB962C8B-B14F-4D97-AF65-F5344CB8AC3E}">
+        <p14:creationId xmlns:p14="http://schemas.microsoft.com/office/powerpoint/2010/main" val="16288712"/>
+      </p:ext>
+    </p:extLst>
+  </p:cSld>
+  <p:clrMapOvr>
+    <a:masterClrMapping/>
+  </p:clrMapOvr>
+</p:sld>
+</file>
+
+<file path=ppt/slides/slide5.xml><?xml version="1.0" encoding="utf-8"?>
+<p:sld xmlns:a="http://schemas.openxmlformats.org/drawingml/2006/main" xmlns:r="http://schemas.openxmlformats.org/officeDocument/2006/relationships" xmlns:p="http://schemas.openxmlformats.org/presentationml/2006/main">
+  <p:cSld>
+    <p:spTree>
+      <p:nvGrpSpPr>
+        <p:cNvPr id="1" name=""/>
+        <p:cNvGrpSpPr/>
+        <p:nvPr/>
+      </p:nvGrpSpPr>
+      <p:grpSpPr>
+        <a:xfrm>
+          <a:off x="0" y="0"/>
+          <a:ext cx="0" cy="0"/>
+          <a:chOff x="0" y="0"/>
+          <a:chExt cx="0" cy="0"/>
+        </a:xfrm>
+      </p:grpSpPr>
+      <p:sp>
+        <p:nvSpPr>
+          <p:cNvPr id="2" name="Title 1">
+            <a:extLst>
+              <a:ext uri="{FF2B5EF4-FFF2-40B4-BE49-F238E27FC236}">
+                <a16:creationId xmlns:a16="http://schemas.microsoft.com/office/drawing/2014/main" id="{A2F24136-6DD6-4902-50EB-74935C67968F}"/>
+              </a:ext>
+            </a:extLst>
+          </p:cNvPr>
+          <p:cNvSpPr>
+            <a:spLocks noGrp="1"/>
+          </p:cNvSpPr>
+          <p:nvPr>
+            <p:ph type="title"/>
+          </p:nvPr>
+        </p:nvSpPr>
+        <p:spPr/>
+        <p:txBody>
+          <a:bodyPr/>
+          <a:lstStyle/>
+          <a:p>
+            <a:r>
+              <a:rPr lang="en-US" dirty="0"/>
+              <a:t>“meaning” of Text</a:t>
+            </a:r>
+          </a:p>
+        </p:txBody>
+      </p:sp>
+      <p:sp>
+        <p:nvSpPr>
+          <p:cNvPr id="3" name="Content Placeholder 2">
+            <a:extLst>
+              <a:ext uri="{FF2B5EF4-FFF2-40B4-BE49-F238E27FC236}">
+                <a16:creationId xmlns:a16="http://schemas.microsoft.com/office/drawing/2014/main" id="{F7B4B84B-C360-DEF2-1561-165793C385CD}"/>
+              </a:ext>
+            </a:extLst>
+          </p:cNvPr>
+          <p:cNvSpPr>
+            <a:spLocks noGrp="1"/>
+          </p:cNvSpPr>
+          <p:nvPr>
+            <p:ph idx="1"/>
+          </p:nvPr>
+        </p:nvSpPr>
+        <p:spPr>
+          <a:xfrm>
+            <a:off x="1451579" y="1853754"/>
+            <a:ext cx="9603275" cy="4287642"/>
+          </a:xfrm>
+        </p:spPr>
+        <p:txBody>
+          <a:bodyPr/>
+          <a:lstStyle/>
+          <a:p>
+            <a:r>
+              <a:rPr lang="en-US" dirty="0"/>
+              <a:t>When used for prediction, the meaning of the vector determines model quality. </a:t>
+            </a:r>
+          </a:p>
+          <a:p>
+            <a:pPr lvl="1"/>
+            <a:r>
+              <a:rPr lang="en-US" dirty="0"/>
+              <a:t>We need to generate a vector that accurately captures the underlying meaning in text. </a:t>
+            </a:r>
+          </a:p>
+          <a:p>
+            <a:r>
+              <a:rPr lang="en-US" dirty="0"/>
+              <a:t>In larger scenarios this is called creating embeddings. </a:t>
+            </a:r>
+          </a:p>
+          <a:p>
+            <a:pPr lvl="1"/>
+            <a:r>
+              <a:rPr lang="en-US" dirty="0"/>
+              <a:t>Take in some free text. </a:t>
+            </a:r>
+          </a:p>
+          <a:p>
+            <a:pPr lvl="1"/>
+            <a:r>
+              <a:rPr lang="en-US" dirty="0"/>
+              <a:t>Evaluate the meaning of that text, using some complex model. </a:t>
+            </a:r>
+          </a:p>
+          <a:p>
+            <a:pPr lvl="1"/>
+            <a:r>
+              <a:rPr lang="en-US" dirty="0"/>
+              <a:t>Return a set of values that ‘capture the meaning’ in n-dimensional space. </a:t>
+            </a:r>
+          </a:p>
+          <a:p>
+            <a:r>
+              <a:rPr lang="en-US" dirty="0"/>
+              <a:t>“Real” models can have an embedding space that is 1000s or more dimensions. </a:t>
+            </a:r>
+          </a:p>
+          <a:p>
+            <a:pPr lvl="1"/>
+            <a:r>
+              <a:rPr lang="en-US" dirty="0"/>
+              <a:t>The ‘meaning’ of a word is its position in 1000-dimensional space. </a:t>
+            </a:r>
+          </a:p>
+          <a:p>
+            <a:pPr lvl="1"/>
+            <a:r>
+              <a:rPr lang="en-US" dirty="0"/>
+              <a:t>The distance between words shows their similarity in meaning. </a:t>
+            </a:r>
+          </a:p>
+        </p:txBody>
+      </p:sp>
+    </p:spTree>
+    <p:extLst>
+      <p:ext uri="{BB962C8B-B14F-4D97-AF65-F5344CB8AC3E}">
+        <p14:creationId xmlns:p14="http://schemas.microsoft.com/office/powerpoint/2010/main" val="1543216124"/>
+      </p:ext>
+    </p:extLst>
+  </p:cSld>
+  <p:clrMapOvr>
+    <a:masterClrMapping/>
+  </p:clrMapOvr>
+</p:sld>
+</file>
+
+<file path=ppt/slides/slide6.xml><?xml version="1.0" encoding="utf-8"?>
+<p:sld xmlns:a="http://schemas.openxmlformats.org/drawingml/2006/main" xmlns:r="http://schemas.openxmlformats.org/officeDocument/2006/relationships" xmlns:p="http://schemas.openxmlformats.org/presentationml/2006/main">
+  <p:cSld>
+    <p:spTree>
+      <p:nvGrpSpPr>
+        <p:cNvPr id="1" name=""/>
+        <p:cNvGrpSpPr/>
+        <p:nvPr/>
+      </p:nvGrpSpPr>
+      <p:grpSpPr>
+        <a:xfrm>
+          <a:off x="0" y="0"/>
+          <a:ext cx="0" cy="0"/>
+          <a:chOff x="0" y="0"/>
+          <a:chExt cx="0" cy="0"/>
+        </a:xfrm>
+      </p:grpSpPr>
+      <p:sp>
+        <p:nvSpPr>
+          <p:cNvPr id="2" name="Title 1">
+            <a:extLst>
+              <a:ext uri="{FF2B5EF4-FFF2-40B4-BE49-F238E27FC236}">
+                <a16:creationId xmlns:a16="http://schemas.microsoft.com/office/drawing/2014/main" id="{6B48219A-7D89-8AA7-9FF7-BBE0F5B9727C}"/>
+              </a:ext>
+            </a:extLst>
+          </p:cNvPr>
+          <p:cNvSpPr>
+            <a:spLocks noGrp="1"/>
+          </p:cNvSpPr>
+          <p:nvPr>
+            <p:ph type="title"/>
+          </p:nvPr>
+        </p:nvSpPr>
+        <p:spPr/>
+        <p:txBody>
+          <a:bodyPr/>
+          <a:lstStyle/>
+          <a:p>
+            <a:r>
+              <a:rPr lang="en-US" dirty="0"/>
+              <a:t>Dimensionality and Embeddings</a:t>
+            </a:r>
+          </a:p>
+        </p:txBody>
+      </p:sp>
+      <p:sp>
+        <p:nvSpPr>
+          <p:cNvPr id="3" name="Content Placeholder 2">
+            <a:extLst>
+              <a:ext uri="{FF2B5EF4-FFF2-40B4-BE49-F238E27FC236}">
+                <a16:creationId xmlns:a16="http://schemas.microsoft.com/office/drawing/2014/main" id="{013D9838-C41B-043A-0E9F-03F2391DED4B}"/>
+              </a:ext>
+            </a:extLst>
+          </p:cNvPr>
+          <p:cNvSpPr>
+            <a:spLocks noGrp="1"/>
+          </p:cNvSpPr>
+          <p:nvPr>
+            <p:ph idx="1"/>
+          </p:nvPr>
+        </p:nvSpPr>
+        <p:spPr>
+          <a:xfrm>
+            <a:off x="881974" y="1853754"/>
+            <a:ext cx="10460477" cy="4255216"/>
+          </a:xfrm>
+        </p:spPr>
+        <p:txBody>
+          <a:bodyPr/>
+          <a:lstStyle/>
+          <a:p>
+            <a:r>
+              <a:rPr lang="en-US" dirty="0"/>
+              <a:t>The meaning captured with real embedding processes are more sophisticated. </a:t>
+            </a:r>
+          </a:p>
+          <a:p>
+            <a:pPr lvl="1"/>
+            <a:r>
+              <a:rPr lang="en-US" dirty="0"/>
+              <a:t>Use massive amounts of text to learn meaning from seeing tokens over and over. </a:t>
+            </a:r>
+          </a:p>
+          <a:p>
+            <a:r>
+              <a:rPr lang="en-US" dirty="0"/>
+              <a:t>The larger and more complex the embedding space, the higher the celling. </a:t>
+            </a:r>
+          </a:p>
+          <a:p>
+            <a:pPr lvl="1"/>
+            <a:r>
+              <a:rPr lang="en-US" dirty="0"/>
+              <a:t>The amount of data needed to generate it also increases. </a:t>
+            </a:r>
+          </a:p>
+          <a:p>
+            <a:r>
+              <a:rPr lang="en-US" dirty="0"/>
+              <a:t>For smarter NLP-</a:t>
+            </a:r>
+            <a:r>
+              <a:rPr lang="en-US" dirty="0" err="1"/>
+              <a:t>ish</a:t>
+            </a:r>
+            <a:r>
+              <a:rPr lang="en-US" dirty="0"/>
+              <a:t> models, we want to represent the meaning of docs as accurately as possible. </a:t>
+            </a:r>
+          </a:p>
+          <a:p>
+            <a:pPr lvl="1"/>
+            <a:r>
+              <a:rPr lang="en-US" dirty="0"/>
+              <a:t>Counting occurrences of terms captures some meaning, but it is rudimentary. </a:t>
+            </a:r>
+          </a:p>
+          <a:p>
+            <a:pPr lvl="1"/>
+            <a:r>
+              <a:rPr lang="en-US" dirty="0"/>
+              <a:t>We can use other processing tools to extract meaning from the text, and use the values on those “meaning” metrics as our feature set. </a:t>
+            </a:r>
+          </a:p>
+          <a:p>
+            <a:r>
+              <a:rPr lang="en-US" dirty="0"/>
+              <a:t>Note: this isn’t dealing with generating text, that requires models that capture sequence. </a:t>
+            </a:r>
+          </a:p>
+        </p:txBody>
+      </p:sp>
+    </p:spTree>
+    <p:extLst>
+      <p:ext uri="{BB962C8B-B14F-4D97-AF65-F5344CB8AC3E}">
+        <p14:creationId xmlns:p14="http://schemas.microsoft.com/office/powerpoint/2010/main" val="751915472"/>
+      </p:ext>
+    </p:extLst>
+  </p:cSld>
+  <p:clrMapOvr>
+    <a:masterClrMapping/>
+  </p:clrMapOvr>
+</p:sld>
+</file>
+
+<file path=ppt/slides/slide7.xml><?xml version="1.0" encoding="utf-8"?>
+<p:sld xmlns:a="http://schemas.openxmlformats.org/drawingml/2006/main" xmlns:r="http://schemas.openxmlformats.org/officeDocument/2006/relationships" xmlns:p="http://schemas.openxmlformats.org/presentationml/2006/main">
+  <p:cSld>
+    <p:spTree>
+      <p:nvGrpSpPr>
+        <p:cNvPr id="1" name=""/>
+        <p:cNvGrpSpPr/>
+        <p:nvPr/>
+      </p:nvGrpSpPr>
+      <p:grpSpPr>
+        <a:xfrm>
+          <a:off x="0" y="0"/>
+          <a:ext cx="0" cy="0"/>
+          <a:chOff x="0" y="0"/>
+          <a:chExt cx="0" cy="0"/>
+        </a:xfrm>
+      </p:grpSpPr>
+      <p:sp>
+        <p:nvSpPr>
+          <p:cNvPr id="2" name="Title 1">
+            <a:extLst>
+              <a:ext uri="{FF2B5EF4-FFF2-40B4-BE49-F238E27FC236}">
+                <a16:creationId xmlns:a16="http://schemas.microsoft.com/office/drawing/2014/main" id="{7E0EC565-B3FD-8EB5-6FCC-0911E40FE6CE}"/>
+              </a:ext>
+            </a:extLst>
+          </p:cNvPr>
+          <p:cNvSpPr>
+            <a:spLocks noGrp="1"/>
+          </p:cNvSpPr>
+          <p:nvPr>
+            <p:ph type="title"/>
+          </p:nvPr>
+        </p:nvSpPr>
+        <p:spPr/>
+        <p:txBody>
+          <a:bodyPr/>
+          <a:lstStyle/>
+          <a:p>
+            <a:r>
+              <a:rPr lang="en-US" dirty="0"/>
+              <a:t>Dealing With dimensions</a:t>
+            </a:r>
+          </a:p>
+        </p:txBody>
+      </p:sp>
+      <p:sp>
+        <p:nvSpPr>
+          <p:cNvPr id="3" name="Content Placeholder 2">
+            <a:extLst>
+              <a:ext uri="{FF2B5EF4-FFF2-40B4-BE49-F238E27FC236}">
+                <a16:creationId xmlns:a16="http://schemas.microsoft.com/office/drawing/2014/main" id="{424653D1-FF7C-BC24-DBA1-5FEE58906207}"/>
+              </a:ext>
+            </a:extLst>
+          </p:cNvPr>
+          <p:cNvSpPr>
+            <a:spLocks noGrp="1"/>
+          </p:cNvSpPr>
+          <p:nvPr>
+            <p:ph idx="1"/>
+          </p:nvPr>
+        </p:nvSpPr>
+        <p:spPr/>
+        <p:txBody>
+          <a:bodyPr/>
+          <a:lstStyle/>
+          <a:p>
+            <a:endParaRPr lang="en-US"/>
+          </a:p>
+        </p:txBody>
+      </p:sp>
+    </p:spTree>
+    <p:extLst>
+      <p:ext uri="{BB962C8B-B14F-4D97-AF65-F5344CB8AC3E}">
+        <p14:creationId xmlns:p14="http://schemas.microsoft.com/office/powerpoint/2010/main" val="2778546789"/>
+      </p:ext>
+    </p:extLst>
+  </p:cSld>
+  <p:clrMapOvr>
+    <a:masterClrMapping/>
+  </p:clrMapOvr>
+</p:sld>
+</file>
+
+<file path=ppt/slides/slide8.xml><?xml version="1.0" encoding="utf-8"?>
 <p:sld xmlns:a="http://schemas.openxmlformats.org/drawingml/2006/main" xmlns:r="http://schemas.openxmlformats.org/officeDocument/2006/relationships" xmlns:p="http://schemas.openxmlformats.org/presentationml/2006/main">
   <p:cSld>
     <p:bg>
@@ -4439,726 +6407,6 @@
 </p:sld>
 </file>
 
-<file path=ppt/slides/slide4.xml><?xml version="1.0" encoding="utf-8"?>
-<p:sld xmlns:a="http://schemas.openxmlformats.org/drawingml/2006/main" xmlns:r="http://schemas.openxmlformats.org/officeDocument/2006/relationships" xmlns:p="http://schemas.openxmlformats.org/presentationml/2006/main">
-  <p:cSld>
-    <p:spTree>
-      <p:nvGrpSpPr>
-        <p:cNvPr id="1" name=""/>
-        <p:cNvGrpSpPr/>
-        <p:nvPr/>
-      </p:nvGrpSpPr>
-      <p:grpSpPr>
-        <a:xfrm>
-          <a:off x="0" y="0"/>
-          <a:ext cx="0" cy="0"/>
-          <a:chOff x="0" y="0"/>
-          <a:chExt cx="0" cy="0"/>
-        </a:xfrm>
-      </p:grpSpPr>
-      <p:sp>
-        <p:nvSpPr>
-          <p:cNvPr id="2" name="Title 1">
-            <a:extLst>
-              <a:ext uri="{FF2B5EF4-FFF2-40B4-BE49-F238E27FC236}">
-                <a16:creationId xmlns:a16="http://schemas.microsoft.com/office/drawing/2014/main" id="{878B71F2-A6CC-D74A-B73E-8FD74DE8D2B8}"/>
-              </a:ext>
-            </a:extLst>
-          </p:cNvPr>
-          <p:cNvSpPr>
-            <a:spLocks noGrp="1"/>
-          </p:cNvSpPr>
-          <p:nvPr>
-            <p:ph type="title"/>
-          </p:nvPr>
-        </p:nvSpPr>
-        <p:spPr/>
-        <p:txBody>
-          <a:bodyPr/>
-          <a:lstStyle/>
-          <a:p>
-            <a:r>
-              <a:rPr lang="en-US" dirty="0"/>
-              <a:t>Truncated SVD and LSA</a:t>
-            </a:r>
-          </a:p>
-        </p:txBody>
-      </p:sp>
-      <p:sp>
-        <p:nvSpPr>
-          <p:cNvPr id="3" name="Content Placeholder 2">
-            <a:extLst>
-              <a:ext uri="{FF2B5EF4-FFF2-40B4-BE49-F238E27FC236}">
-                <a16:creationId xmlns:a16="http://schemas.microsoft.com/office/drawing/2014/main" id="{DE660909-3AB2-F946-BC80-4602BB028BB8}"/>
-              </a:ext>
-            </a:extLst>
-          </p:cNvPr>
-          <p:cNvSpPr>
-            <a:spLocks noGrp="1"/>
-          </p:cNvSpPr>
-          <p:nvPr>
-            <p:ph idx="1"/>
-          </p:nvPr>
-        </p:nvSpPr>
-        <p:spPr>
-          <a:xfrm>
-            <a:off x="1451579" y="2015732"/>
-            <a:ext cx="9603275" cy="4037749"/>
-          </a:xfrm>
-        </p:spPr>
-        <p:txBody>
-          <a:bodyPr>
-            <a:normAutofit fontScale="92500" lnSpcReduction="10000"/>
-          </a:bodyPr>
-          <a:lstStyle/>
-          <a:p>
-            <a:r>
-              <a:rPr lang="en-US" dirty="0"/>
-              <a:t>LSA is latent semantic analysis. LSA attempts to:</a:t>
-            </a:r>
-          </a:p>
-          <a:p>
-            <a:pPr lvl="1"/>
-            <a:r>
-              <a:rPr lang="en-US" dirty="0"/>
-              <a:t>Extract meaning from large amounts of text. </a:t>
-            </a:r>
-          </a:p>
-          <a:p>
-            <a:r>
-              <a:rPr lang="en-US" dirty="0"/>
-              <a:t>LSA follows a couple of assumptions:</a:t>
-            </a:r>
-          </a:p>
-          <a:p>
-            <a:pPr lvl="1"/>
-            <a:r>
-              <a:rPr lang="en-CA" i="1" dirty="0"/>
-              <a:t>Meaning of Sentences or Documents is a sum of the meaning of all words</a:t>
-            </a:r>
-            <a:r>
-              <a:rPr lang="en-CA" dirty="0"/>
-              <a:t> occurring in it. Overall, the meaning of a certain word is an average across all the documents it occurs in.</a:t>
-            </a:r>
-          </a:p>
-          <a:p>
-            <a:pPr lvl="1"/>
-            <a:r>
-              <a:rPr lang="en-CA" dirty="0"/>
-              <a:t>Semantic associations between words are present not explicitly, but only latently in the large sample of language.</a:t>
-            </a:r>
-          </a:p>
-          <a:p>
-            <a:r>
-              <a:rPr lang="en-CA" dirty="0"/>
-              <a:t>Latent Semantic Analysis (LSA) comprises of certain mathematical operation to get insight on a document. This algorithm forms the basis of </a:t>
-            </a:r>
-            <a:r>
-              <a:rPr lang="en-CA" i="1" dirty="0"/>
-              <a:t>Topic Modeling</a:t>
-            </a:r>
-            <a:r>
-              <a:rPr lang="en-CA" dirty="0"/>
-              <a:t>. The core idea is to take a matrix of what we have — documents and terms — and decompose it into a separate document-topic matrix and a topic-term matrix.</a:t>
-            </a:r>
-            <a:endParaRPr lang="en-US" dirty="0"/>
-          </a:p>
-          <a:p>
-            <a:pPr lvl="1"/>
-            <a:endParaRPr lang="en-US" dirty="0"/>
-          </a:p>
-        </p:txBody>
-      </p:sp>
-    </p:spTree>
-    <p:extLst>
-      <p:ext uri="{BB962C8B-B14F-4D97-AF65-F5344CB8AC3E}">
-        <p14:creationId xmlns:p14="http://schemas.microsoft.com/office/powerpoint/2010/main" val="3999811635"/>
-      </p:ext>
-    </p:extLst>
-  </p:cSld>
-  <p:clrMapOvr>
-    <a:masterClrMapping/>
-  </p:clrMapOvr>
-</p:sld>
-</file>
-
-<file path=ppt/slides/slide5.xml><?xml version="1.0" encoding="utf-8"?>
-<p:sld xmlns:a="http://schemas.openxmlformats.org/drawingml/2006/main" xmlns:r="http://schemas.openxmlformats.org/officeDocument/2006/relationships" xmlns:p="http://schemas.openxmlformats.org/presentationml/2006/main">
-  <p:cSld>
-    <p:bg>
-      <p:bgPr>
-        <a:gradFill rotWithShape="1">
-          <a:gsLst>
-            <a:gs pos="0">
-              <a:schemeClr val="bg2">
-                <a:tint val="94000"/>
-                <a:satMod val="80000"/>
-                <a:lumMod val="106000"/>
-              </a:schemeClr>
-            </a:gs>
-            <a:gs pos="100000">
-              <a:schemeClr val="bg2">
-                <a:shade val="80000"/>
-              </a:schemeClr>
-            </a:gs>
-          </a:gsLst>
-          <a:path path="circle">
-            <a:fillToRect l="43000" r="43000" b="100000"/>
-          </a:path>
-        </a:gradFill>
-        <a:effectLst/>
-      </p:bgPr>
-    </p:bg>
-    <p:spTree>
-      <p:nvGrpSpPr>
-        <p:cNvPr id="1" name=""/>
-        <p:cNvGrpSpPr/>
-        <p:nvPr/>
-      </p:nvGrpSpPr>
-      <p:grpSpPr>
-        <a:xfrm>
-          <a:off x="0" y="0"/>
-          <a:ext cx="0" cy="0"/>
-          <a:chOff x="0" y="0"/>
-          <a:chExt cx="0" cy="0"/>
-        </a:xfrm>
-      </p:grpSpPr>
-      <p:sp>
-        <p:nvSpPr>
-          <p:cNvPr id="2" name="Title 1">
-            <a:extLst>
-              <a:ext uri="{FF2B5EF4-FFF2-40B4-BE49-F238E27FC236}">
-                <a16:creationId xmlns:a16="http://schemas.microsoft.com/office/drawing/2014/main" id="{CC8F23D9-B0A2-9F49-B568-BDB521FABCE3}"/>
-              </a:ext>
-            </a:extLst>
-          </p:cNvPr>
-          <p:cNvSpPr>
-            <a:spLocks noGrp="1"/>
-          </p:cNvSpPr>
-          <p:nvPr>
-            <p:ph type="title"/>
-          </p:nvPr>
-        </p:nvSpPr>
-        <p:spPr>
-          <a:xfrm>
-            <a:off x="1451579" y="804519"/>
-            <a:ext cx="9603275" cy="1049235"/>
-          </a:xfrm>
-        </p:spPr>
-        <p:txBody>
-          <a:bodyPr>
-            <a:normAutofit/>
-          </a:bodyPr>
-          <a:lstStyle/>
-          <a:p>
-            <a:r>
-              <a:rPr lang="en-US" dirty="0"/>
-              <a:t>Truncated SVD – Singular Value Decomposition</a:t>
-            </a:r>
-          </a:p>
-        </p:txBody>
-      </p:sp>
-      <p:pic>
-        <p:nvPicPr>
-          <p:cNvPr id="3074" name="Picture 2" descr="What is Latent Semantic Analysis (LSA) - Latent Semantic Analysis (LSA)  Definition from MarketMuse Blog">
-            <a:extLst>
-              <a:ext uri="{FF2B5EF4-FFF2-40B4-BE49-F238E27FC236}">
-                <a16:creationId xmlns:a16="http://schemas.microsoft.com/office/drawing/2014/main" id="{648E684A-F848-124A-BD35-934B6F66E9D1}"/>
-              </a:ext>
-            </a:extLst>
-          </p:cNvPr>
-          <p:cNvPicPr>
-            <a:picLocks noChangeAspect="1" noChangeArrowheads="1"/>
-          </p:cNvPicPr>
-          <p:nvPr/>
-        </p:nvPicPr>
-        <p:blipFill rotWithShape="1">
-          <a:blip r:embed="rId2">
-            <a:extLst>
-              <a:ext uri="{28A0092B-C50C-407E-A947-70E740481C1C}">
-                <a14:useLocalDpi xmlns:a14="http://schemas.microsoft.com/office/drawing/2010/main" val="0"/>
-              </a:ext>
-            </a:extLst>
-          </a:blip>
-          <a:stretch/>
-        </p:blipFill>
-        <p:spPr bwMode="auto">
-          <a:xfrm>
-            <a:off x="-5829" y="2345916"/>
-            <a:ext cx="6417851" cy="3610041"/>
-          </a:xfrm>
-          <a:prstGeom prst="rect">
-            <a:avLst/>
-          </a:prstGeom>
-          <a:noFill/>
-          <a:extLst>
-            <a:ext uri="{909E8E84-426E-40DD-AFC4-6F175D3DCCD1}">
-              <a14:hiddenFill xmlns:a14="http://schemas.microsoft.com/office/drawing/2010/main">
-                <a:solidFill>
-                  <a:srgbClr val="FFFFFF"/>
-                </a:solidFill>
-              </a14:hiddenFill>
-            </a:ext>
-          </a:extLst>
-        </p:spPr>
-      </p:pic>
-      <p:sp>
-        <p:nvSpPr>
-          <p:cNvPr id="3" name="Content Placeholder 2">
-            <a:extLst>
-              <a:ext uri="{FF2B5EF4-FFF2-40B4-BE49-F238E27FC236}">
-                <a16:creationId xmlns:a16="http://schemas.microsoft.com/office/drawing/2014/main" id="{C80F2139-D46F-EF48-BDC6-B0C1181D3DD9}"/>
-              </a:ext>
-            </a:extLst>
-          </p:cNvPr>
-          <p:cNvSpPr>
-            <a:spLocks noGrp="1"/>
-          </p:cNvSpPr>
-          <p:nvPr>
-            <p:ph idx="1"/>
-          </p:nvPr>
-        </p:nvSpPr>
-        <p:spPr>
-          <a:xfrm>
-            <a:off x="6490252" y="2015734"/>
-            <a:ext cx="5128591" cy="4037747"/>
-          </a:xfrm>
-        </p:spPr>
-        <p:txBody>
-          <a:bodyPr>
-            <a:normAutofit fontScale="92500"/>
-          </a:bodyPr>
-          <a:lstStyle/>
-          <a:p>
-            <a:r>
-              <a:rPr lang="en-US" dirty="0"/>
-              <a:t>Truncated SVD is the mathematical mechanics used for LSA.</a:t>
-            </a:r>
-          </a:p>
-          <a:p>
-            <a:r>
-              <a:rPr lang="en-US" dirty="0"/>
-              <a:t>SVD breaks the original data into 3:</a:t>
-            </a:r>
-          </a:p>
-          <a:p>
-            <a:pPr lvl="1"/>
-            <a:r>
-              <a:rPr lang="en-US" dirty="0"/>
-              <a:t>Documents x concepts.</a:t>
-            </a:r>
-          </a:p>
-          <a:p>
-            <a:pPr lvl="1"/>
-            <a:r>
-              <a:rPr lang="en-US" dirty="0"/>
-              <a:t>Strength of concepts.</a:t>
-            </a:r>
-          </a:p>
-          <a:p>
-            <a:pPr lvl="1"/>
-            <a:r>
-              <a:rPr lang="en-US" dirty="0"/>
-              <a:t>Concepts x terms. </a:t>
-            </a:r>
-          </a:p>
-          <a:p>
-            <a:r>
-              <a:rPr lang="en-CA" dirty="0"/>
-              <a:t>Concepts are represented as patterns of words that usually appear together in documents. For example “leash”, “treat”, and “obey” might usually appear in documents about dog training.</a:t>
-            </a:r>
-          </a:p>
-          <a:p>
-            <a:endParaRPr lang="en-US" dirty="0"/>
-          </a:p>
-        </p:txBody>
-      </p:sp>
-    </p:spTree>
-    <p:extLst>
-      <p:ext uri="{BB962C8B-B14F-4D97-AF65-F5344CB8AC3E}">
-        <p14:creationId xmlns:p14="http://schemas.microsoft.com/office/powerpoint/2010/main" val="1147780941"/>
-      </p:ext>
-    </p:extLst>
-  </p:cSld>
-  <p:clrMapOvr>
-    <a:masterClrMapping/>
-  </p:clrMapOvr>
-</p:sld>
-</file>
-
-<file path=ppt/slides/slide6.xml><?xml version="1.0" encoding="utf-8"?>
-<p:sld xmlns:a="http://schemas.openxmlformats.org/drawingml/2006/main" xmlns:r="http://schemas.openxmlformats.org/officeDocument/2006/relationships" xmlns:p="http://schemas.openxmlformats.org/presentationml/2006/main">
-  <p:cSld>
-    <p:spTree>
-      <p:nvGrpSpPr>
-        <p:cNvPr id="1" name=""/>
-        <p:cNvGrpSpPr/>
-        <p:nvPr/>
-      </p:nvGrpSpPr>
-      <p:grpSpPr>
-        <a:xfrm>
-          <a:off x="0" y="0"/>
-          <a:ext cx="0" cy="0"/>
-          <a:chOff x="0" y="0"/>
-          <a:chExt cx="0" cy="0"/>
-        </a:xfrm>
-      </p:grpSpPr>
-      <p:sp>
-        <p:nvSpPr>
-          <p:cNvPr id="2" name="Title 1">
-            <a:extLst>
-              <a:ext uri="{FF2B5EF4-FFF2-40B4-BE49-F238E27FC236}">
-                <a16:creationId xmlns:a16="http://schemas.microsoft.com/office/drawing/2014/main" id="{F7BDA15F-2865-624E-88AB-16D82E0001B0}"/>
-              </a:ext>
-            </a:extLst>
-          </p:cNvPr>
-          <p:cNvSpPr>
-            <a:spLocks noGrp="1"/>
-          </p:cNvSpPr>
-          <p:nvPr>
-            <p:ph type="title"/>
-          </p:nvPr>
-        </p:nvSpPr>
-        <p:spPr/>
-        <p:txBody>
-          <a:bodyPr/>
-          <a:lstStyle/>
-          <a:p>
-            <a:r>
-              <a:rPr lang="en-US" dirty="0"/>
-              <a:t>Truncated SVD - Results</a:t>
-            </a:r>
-          </a:p>
-        </p:txBody>
-      </p:sp>
-      <p:sp>
-        <p:nvSpPr>
-          <p:cNvPr id="3" name="Content Placeholder 2">
-            <a:extLst>
-              <a:ext uri="{FF2B5EF4-FFF2-40B4-BE49-F238E27FC236}">
-                <a16:creationId xmlns:a16="http://schemas.microsoft.com/office/drawing/2014/main" id="{088D1D4E-CD49-FA4B-B96D-7B71B4D9CEA5}"/>
-              </a:ext>
-            </a:extLst>
-          </p:cNvPr>
-          <p:cNvSpPr>
-            <a:spLocks noGrp="1"/>
-          </p:cNvSpPr>
-          <p:nvPr>
-            <p:ph idx="1"/>
-          </p:nvPr>
-        </p:nvSpPr>
-        <p:spPr/>
-        <p:txBody>
-          <a:bodyPr/>
-          <a:lstStyle/>
-          <a:p>
-            <a:r>
-              <a:rPr lang="en-US" dirty="0"/>
-              <a:t>SVD aims to capture the maximum meaning with the minimum amount of data. </a:t>
-            </a:r>
-          </a:p>
-          <a:p>
-            <a:r>
-              <a:rPr lang="en-US" dirty="0"/>
-              <a:t>Only the strongest concepts are kept. </a:t>
-            </a:r>
-          </a:p>
-          <a:p>
-            <a:r>
-              <a:rPr lang="en-US" dirty="0"/>
-              <a:t>Feature set can be massively reduced. </a:t>
-            </a:r>
-          </a:p>
-          <a:p>
-            <a:r>
-              <a:rPr lang="en-US" dirty="0"/>
-              <a:t>We don’t know a good number of components going in – we need to tune it. </a:t>
-            </a:r>
-          </a:p>
-          <a:p>
-            <a:r>
-              <a:rPr lang="en-US" dirty="0"/>
-              <a:t>Prediction accuracy is usually “close”, but with a far smaller feature set. </a:t>
-            </a:r>
-          </a:p>
-          <a:p>
-            <a:pPr lvl="1"/>
-            <a:r>
-              <a:rPr lang="en-US" dirty="0"/>
-              <a:t>Accuracy won’t (likely) increase – you are tossing data. </a:t>
-            </a:r>
-          </a:p>
-          <a:p>
-            <a:r>
-              <a:rPr lang="en-US" dirty="0"/>
-              <a:t>Can’t reliably separate different meanings of </a:t>
-            </a:r>
-            <a:r>
-              <a:rPr lang="en-US"/>
-              <a:t>one word. </a:t>
-            </a:r>
-            <a:endParaRPr lang="en-US" dirty="0"/>
-          </a:p>
-        </p:txBody>
-      </p:sp>
-    </p:spTree>
-    <p:extLst>
-      <p:ext uri="{BB962C8B-B14F-4D97-AF65-F5344CB8AC3E}">
-        <p14:creationId xmlns:p14="http://schemas.microsoft.com/office/powerpoint/2010/main" val="3772727615"/>
-      </p:ext>
-    </p:extLst>
-  </p:cSld>
-  <p:clrMapOvr>
-    <a:masterClrMapping/>
-  </p:clrMapOvr>
-</p:sld>
-</file>
-
-<file path=ppt/slides/slide7.xml><?xml version="1.0" encoding="utf-8"?>
-<p:sld xmlns:a="http://schemas.openxmlformats.org/drawingml/2006/main" xmlns:r="http://schemas.openxmlformats.org/officeDocument/2006/relationships" xmlns:p="http://schemas.openxmlformats.org/presentationml/2006/main">
-  <p:cSld>
-    <p:spTree>
-      <p:nvGrpSpPr>
-        <p:cNvPr id="1" name=""/>
-        <p:cNvGrpSpPr/>
-        <p:nvPr/>
-      </p:nvGrpSpPr>
-      <p:grpSpPr>
-        <a:xfrm>
-          <a:off x="0" y="0"/>
-          <a:ext cx="0" cy="0"/>
-          <a:chOff x="0" y="0"/>
-          <a:chExt cx="0" cy="0"/>
-        </a:xfrm>
-      </p:grpSpPr>
-      <p:sp>
-        <p:nvSpPr>
-          <p:cNvPr id="2" name="Title 1">
-            <a:extLst>
-              <a:ext uri="{FF2B5EF4-FFF2-40B4-BE49-F238E27FC236}">
-                <a16:creationId xmlns:a16="http://schemas.microsoft.com/office/drawing/2014/main" id="{79ABC1E9-9DB9-D348-83D2-878E06DE33E3}"/>
-              </a:ext>
-            </a:extLst>
-          </p:cNvPr>
-          <p:cNvSpPr>
-            <a:spLocks noGrp="1"/>
-          </p:cNvSpPr>
-          <p:nvPr>
-            <p:ph type="title"/>
-          </p:nvPr>
-        </p:nvSpPr>
-        <p:spPr/>
-        <p:txBody>
-          <a:bodyPr/>
-          <a:lstStyle/>
-          <a:p>
-            <a:r>
-              <a:rPr lang="en-US" dirty="0"/>
-              <a:t>Word2Vec and Alternate encodings</a:t>
-            </a:r>
-          </a:p>
-        </p:txBody>
-      </p:sp>
-      <p:sp>
-        <p:nvSpPr>
-          <p:cNvPr id="3" name="Content Placeholder 2">
-            <a:extLst>
-              <a:ext uri="{FF2B5EF4-FFF2-40B4-BE49-F238E27FC236}">
-                <a16:creationId xmlns:a16="http://schemas.microsoft.com/office/drawing/2014/main" id="{3FB3ECEC-AE79-BF4D-99A3-10DDD2E855FC}"/>
-              </a:ext>
-            </a:extLst>
-          </p:cNvPr>
-          <p:cNvSpPr>
-            <a:spLocks noGrp="1"/>
-          </p:cNvSpPr>
-          <p:nvPr>
-            <p:ph idx="1"/>
-          </p:nvPr>
-        </p:nvSpPr>
-        <p:spPr>
-          <a:xfrm>
-            <a:off x="1451579" y="2015732"/>
-            <a:ext cx="9603275" cy="4037749"/>
-          </a:xfrm>
-        </p:spPr>
-        <p:txBody>
-          <a:bodyPr/>
-          <a:lstStyle/>
-          <a:p>
-            <a:r>
-              <a:rPr lang="en-US" dirty="0"/>
-              <a:t>There are lots of other NLP libraries out there that take different approaches to dealing with text. </a:t>
-            </a:r>
-          </a:p>
-          <a:p>
-            <a:r>
-              <a:rPr lang="en-US" dirty="0"/>
-              <a:t>One library we can use is Word2Vec, originally developed by Google. </a:t>
-            </a:r>
-          </a:p>
-          <a:p>
-            <a:r>
-              <a:rPr lang="en-US" dirty="0"/>
-              <a:t>Word2Vec transforms words into vector representations using a neural network. </a:t>
-            </a:r>
-          </a:p>
-          <a:p>
-            <a:r>
-              <a:rPr lang="en-US" dirty="0"/>
-              <a:t>Word2Vec looks at words and their surroundings in sentences (documents) to generate the encoding. </a:t>
-            </a:r>
-          </a:p>
-          <a:p>
-            <a:r>
-              <a:rPr lang="en-US" dirty="0"/>
-              <a:t>Each word gets a vector of values that encodes it, not just one number. </a:t>
-            </a:r>
-          </a:p>
-        </p:txBody>
-      </p:sp>
-    </p:spTree>
-    <p:extLst>
-      <p:ext uri="{BB962C8B-B14F-4D97-AF65-F5344CB8AC3E}">
-        <p14:creationId xmlns:p14="http://schemas.microsoft.com/office/powerpoint/2010/main" val="2027915239"/>
-      </p:ext>
-    </p:extLst>
-  </p:cSld>
-  <p:clrMapOvr>
-    <a:masterClrMapping/>
-  </p:clrMapOvr>
-</p:sld>
-</file>
-
-<file path=ppt/slides/slide8.xml><?xml version="1.0" encoding="utf-8"?>
-<p:sld xmlns:a="http://schemas.openxmlformats.org/drawingml/2006/main" xmlns:r="http://schemas.openxmlformats.org/officeDocument/2006/relationships" xmlns:p="http://schemas.openxmlformats.org/presentationml/2006/main">
-  <p:cSld>
-    <p:spTree>
-      <p:nvGrpSpPr>
-        <p:cNvPr id="1" name=""/>
-        <p:cNvGrpSpPr/>
-        <p:nvPr/>
-      </p:nvGrpSpPr>
-      <p:grpSpPr>
-        <a:xfrm>
-          <a:off x="0" y="0"/>
-          <a:ext cx="0" cy="0"/>
-          <a:chOff x="0" y="0"/>
-          <a:chExt cx="0" cy="0"/>
-        </a:xfrm>
-      </p:grpSpPr>
-      <p:sp>
-        <p:nvSpPr>
-          <p:cNvPr id="2" name="Title 1">
-            <a:extLst>
-              <a:ext uri="{FF2B5EF4-FFF2-40B4-BE49-F238E27FC236}">
-                <a16:creationId xmlns:a16="http://schemas.microsoft.com/office/drawing/2014/main" id="{250C2BFA-C699-9F44-9DE2-BBBD054F4D03}"/>
-              </a:ext>
-            </a:extLst>
-          </p:cNvPr>
-          <p:cNvSpPr>
-            <a:spLocks noGrp="1"/>
-          </p:cNvSpPr>
-          <p:nvPr>
-            <p:ph type="title"/>
-          </p:nvPr>
-        </p:nvSpPr>
-        <p:spPr/>
-        <p:txBody>
-          <a:bodyPr/>
-          <a:lstStyle/>
-          <a:p>
-            <a:r>
-              <a:rPr lang="en-US" dirty="0"/>
-              <a:t>Word2Vec</a:t>
-            </a:r>
-          </a:p>
-        </p:txBody>
-      </p:sp>
-      <p:sp>
-        <p:nvSpPr>
-          <p:cNvPr id="3" name="Content Placeholder 2">
-            <a:extLst>
-              <a:ext uri="{FF2B5EF4-FFF2-40B4-BE49-F238E27FC236}">
-                <a16:creationId xmlns:a16="http://schemas.microsoft.com/office/drawing/2014/main" id="{C584A36E-A132-904D-9622-96FD35E4E301}"/>
-              </a:ext>
-            </a:extLst>
-          </p:cNvPr>
-          <p:cNvSpPr>
-            <a:spLocks noGrp="1"/>
-          </p:cNvSpPr>
-          <p:nvPr>
-            <p:ph idx="1"/>
-          </p:nvPr>
-        </p:nvSpPr>
-        <p:spPr/>
-        <p:txBody>
-          <a:bodyPr/>
-          <a:lstStyle/>
-          <a:p>
-            <a:endParaRPr lang="en-US"/>
-          </a:p>
-        </p:txBody>
-      </p:sp>
-      <p:pic>
-        <p:nvPicPr>
-          <p:cNvPr id="6146" name="Picture 2">
-            <a:extLst>
-              <a:ext uri="{FF2B5EF4-FFF2-40B4-BE49-F238E27FC236}">
-                <a16:creationId xmlns:a16="http://schemas.microsoft.com/office/drawing/2014/main" id="{A298E9D5-1702-9E4D-BFA9-CF620B13414F}"/>
-              </a:ext>
-            </a:extLst>
-          </p:cNvPr>
-          <p:cNvPicPr>
-            <a:picLocks noChangeAspect="1" noChangeArrowheads="1"/>
-          </p:cNvPicPr>
-          <p:nvPr/>
-        </p:nvPicPr>
-        <p:blipFill>
-          <a:blip r:embed="rId2">
-            <a:extLst>
-              <a:ext uri="{28A0092B-C50C-407E-A947-70E740481C1C}">
-                <a14:useLocalDpi xmlns:a14="http://schemas.microsoft.com/office/drawing/2010/main" val="0"/>
-              </a:ext>
-            </a:extLst>
-          </a:blip>
-          <a:srcRect/>
-          <a:stretch>
-            <a:fillRect/>
-          </a:stretch>
-        </p:blipFill>
-        <p:spPr bwMode="auto">
-          <a:xfrm>
-            <a:off x="2419350" y="2559050"/>
-            <a:ext cx="7353300" cy="1739900"/>
-          </a:xfrm>
-          <a:prstGeom prst="rect">
-            <a:avLst/>
-          </a:prstGeom>
-          <a:noFill/>
-          <a:extLst>
-            <a:ext uri="{909E8E84-426E-40DD-AFC4-6F175D3DCCD1}">
-              <a14:hiddenFill xmlns:a14="http://schemas.microsoft.com/office/drawing/2010/main">
-                <a:solidFill>
-                  <a:srgbClr val="FFFFFF"/>
-                </a:solidFill>
-              </a14:hiddenFill>
-            </a:ext>
-          </a:extLst>
-        </p:spPr>
-      </p:pic>
-    </p:spTree>
-    <p:extLst>
-      <p:ext uri="{BB962C8B-B14F-4D97-AF65-F5344CB8AC3E}">
-        <p14:creationId xmlns:p14="http://schemas.microsoft.com/office/powerpoint/2010/main" val="1174242997"/>
-      </p:ext>
-    </p:extLst>
-  </p:cSld>
-  <p:clrMapOvr>
-    <a:masterClrMapping/>
-  </p:clrMapOvr>
-</p:sld>
-</file>
-
 <file path=ppt/slides/slide9.xml><?xml version="1.0" encoding="utf-8"?>
 <p:sld xmlns:a="http://schemas.openxmlformats.org/drawingml/2006/main" xmlns:r="http://schemas.openxmlformats.org/officeDocument/2006/relationships" xmlns:p="http://schemas.openxmlformats.org/presentationml/2006/main">
   <p:cSld>
@@ -5181,7 +6429,7 @@
           <p:cNvPr id="2" name="Title 1">
             <a:extLst>
               <a:ext uri="{FF2B5EF4-FFF2-40B4-BE49-F238E27FC236}">
-                <a16:creationId xmlns:a16="http://schemas.microsoft.com/office/drawing/2014/main" id="{71C95609-D71B-AB4E-8925-81157B02E545}"/>
+                <a16:creationId xmlns:a16="http://schemas.microsoft.com/office/drawing/2014/main" id="{878B71F2-A6CC-D74A-B73E-8FD74DE8D2B8}"/>
               </a:ext>
             </a:extLst>
           </p:cNvPr>
@@ -5197,7 +6445,10 @@
           <a:bodyPr/>
           <a:lstStyle/>
           <a:p>
-            <a:endParaRPr lang="en-US"/>
+            <a:r>
+              <a:rPr lang="en-US" dirty="0"/>
+              <a:t>Truncated SVD and LSA</a:t>
+            </a:r>
           </a:p>
         </p:txBody>
       </p:sp>
@@ -5206,7 +6457,7 @@
           <p:cNvPr id="3" name="Content Placeholder 2">
             <a:extLst>
               <a:ext uri="{FF2B5EF4-FFF2-40B4-BE49-F238E27FC236}">
-                <a16:creationId xmlns:a16="http://schemas.microsoft.com/office/drawing/2014/main" id="{78BF3120-6F43-9442-A1C8-322B97A7B2D6}"/>
+                <a16:creationId xmlns:a16="http://schemas.microsoft.com/office/drawing/2014/main" id="{DE660909-3AB2-F946-BC80-4602BB028BB8}"/>
               </a:ext>
             </a:extLst>
           </p:cNvPr>
@@ -5217,66 +6468,79 @@
             <p:ph idx="1"/>
           </p:nvPr>
         </p:nvSpPr>
-        <p:spPr/>
-        <p:txBody>
-          <a:bodyPr/>
-          <a:lstStyle/>
-          <a:p>
-            <a:endParaRPr lang="en-US"/>
-          </a:p>
-        </p:txBody>
-      </p:sp>
-      <p:pic>
-        <p:nvPicPr>
-          <p:cNvPr id="7170" name="Picture 2">
-            <a:extLst>
-              <a:ext uri="{FF2B5EF4-FFF2-40B4-BE49-F238E27FC236}">
-                <a16:creationId xmlns:a16="http://schemas.microsoft.com/office/drawing/2014/main" id="{CEE09B02-039B-2C4A-B46D-0D99539A3AB6}"/>
-              </a:ext>
-            </a:extLst>
-          </p:cNvPr>
-          <p:cNvPicPr>
-            <a:picLocks noChangeAspect="1" noChangeArrowheads="1"/>
-          </p:cNvPicPr>
-          <p:nvPr/>
-        </p:nvPicPr>
-        <p:blipFill>
-          <a:blip r:embed="rId2">
-            <a:extLst>
-              <a:ext uri="{28A0092B-C50C-407E-A947-70E740481C1C}">
-                <a14:useLocalDpi xmlns:a14="http://schemas.microsoft.com/office/drawing/2010/main" val="0"/>
-              </a:ext>
-            </a:extLst>
-          </a:blip>
-          <a:srcRect/>
-          <a:stretch>
-            <a:fillRect/>
-          </a:stretch>
-        </p:blipFill>
-        <p:spPr bwMode="auto">
+        <p:spPr>
           <a:xfrm>
-            <a:off x="2692400" y="1403350"/>
-            <a:ext cx="6807200" cy="4051300"/>
+            <a:off x="1451579" y="2015732"/>
+            <a:ext cx="9603275" cy="4037749"/>
           </a:xfrm>
-          <a:prstGeom prst="rect">
-            <a:avLst/>
-          </a:prstGeom>
-          <a:noFill/>
-          <a:extLst>
-            <a:ext uri="{909E8E84-426E-40DD-AFC4-6F175D3DCCD1}">
-              <a14:hiddenFill xmlns:a14="http://schemas.microsoft.com/office/drawing/2010/main">
-                <a:solidFill>
-                  <a:srgbClr val="FFFFFF"/>
-                </a:solidFill>
-              </a14:hiddenFill>
-            </a:ext>
-          </a:extLst>
         </p:spPr>
-      </p:pic>
+        <p:txBody>
+          <a:bodyPr>
+            <a:normAutofit fontScale="92500" lnSpcReduction="10000"/>
+          </a:bodyPr>
+          <a:lstStyle/>
+          <a:p>
+            <a:r>
+              <a:rPr lang="en-US" dirty="0"/>
+              <a:t>LSA is latent semantic analysis. LSA attempts to:</a:t>
+            </a:r>
+          </a:p>
+          <a:p>
+            <a:pPr lvl="1"/>
+            <a:r>
+              <a:rPr lang="en-US" dirty="0"/>
+              <a:t>Extract meaning from large amounts of text. </a:t>
+            </a:r>
+          </a:p>
+          <a:p>
+            <a:r>
+              <a:rPr lang="en-US" dirty="0"/>
+              <a:t>LSA follows a couple of assumptions:</a:t>
+            </a:r>
+          </a:p>
+          <a:p>
+            <a:pPr lvl="1"/>
+            <a:r>
+              <a:rPr lang="en-CA" i="1" dirty="0"/>
+              <a:t>Meaning of Sentences or Documents is a sum of the meaning of all words</a:t>
+            </a:r>
+            <a:r>
+              <a:rPr lang="en-CA" dirty="0"/>
+              <a:t> occurring in it. Overall, the meaning of a certain word is an average across all the documents it occurs in.</a:t>
+            </a:r>
+          </a:p>
+          <a:p>
+            <a:pPr lvl="1"/>
+            <a:r>
+              <a:rPr lang="en-CA" dirty="0"/>
+              <a:t>Semantic associations between words are present not explicitly, but only latently in the large sample of language.</a:t>
+            </a:r>
+          </a:p>
+          <a:p>
+            <a:r>
+              <a:rPr lang="en-CA" dirty="0"/>
+              <a:t>Latent Semantic Analysis (LSA) comprises of certain mathematical operation to get insight on a document. This algorithm forms the basis of </a:t>
+            </a:r>
+            <a:r>
+              <a:rPr lang="en-CA" i="1" dirty="0"/>
+              <a:t>Topic Modeling</a:t>
+            </a:r>
+            <a:r>
+              <a:rPr lang="en-CA" dirty="0"/>
+              <a:t>. The core idea is to take a matrix of what we have — documents and terms — and decompose it into a separate document-topic matrix and a topic-term matrix.</a:t>
+            </a:r>
+            <a:endParaRPr lang="en-US" dirty="0"/>
+          </a:p>
+          <a:p>
+            <a:pPr lvl="1"/>
+            <a:endParaRPr lang="en-US" dirty="0"/>
+          </a:p>
+        </p:txBody>
+      </p:sp>
     </p:spTree>
     <p:extLst>
       <p:ext uri="{BB962C8B-B14F-4D97-AF65-F5344CB8AC3E}">
-        <p14:creationId xmlns:p14="http://schemas.microsoft.com/office/powerpoint/2010/main" val="121406583"/>
+        <p14:creationId xmlns:p14="http://schemas.microsoft.com/office/powerpoint/2010/main" val="3999811635"/>
       </p:ext>
     </p:extLst>
   </p:cSld>

--- a/reference_content/Slides/NLP_2.pptx
+++ b/reference_content/Slides/NLP_2.pptx
@@ -15,17 +15,18 @@
     <p:sldId id="260" r:id="rId9"/>
     <p:sldId id="261" r:id="rId10"/>
     <p:sldId id="262" r:id="rId11"/>
-    <p:sldId id="265" r:id="rId12"/>
-    <p:sldId id="276" r:id="rId13"/>
-    <p:sldId id="266" r:id="rId14"/>
-    <p:sldId id="267" r:id="rId15"/>
-    <p:sldId id="268" r:id="rId16"/>
-    <p:sldId id="269" r:id="rId17"/>
-    <p:sldId id="277" r:id="rId18"/>
-    <p:sldId id="278" r:id="rId19"/>
-    <p:sldId id="279" r:id="rId20"/>
-    <p:sldId id="263" r:id="rId21"/>
-    <p:sldId id="264" r:id="rId22"/>
+    <p:sldId id="280" r:id="rId12"/>
+    <p:sldId id="265" r:id="rId13"/>
+    <p:sldId id="276" r:id="rId14"/>
+    <p:sldId id="266" r:id="rId15"/>
+    <p:sldId id="267" r:id="rId16"/>
+    <p:sldId id="268" r:id="rId17"/>
+    <p:sldId id="269" r:id="rId18"/>
+    <p:sldId id="277" r:id="rId19"/>
+    <p:sldId id="278" r:id="rId20"/>
+    <p:sldId id="279" r:id="rId21"/>
+    <p:sldId id="263" r:id="rId22"/>
+    <p:sldId id="264" r:id="rId23"/>
   </p:sldIdLst>
   <p:sldSz cx="12192000" cy="6858000"/>
   <p:notesSz cx="6858000" cy="9144000"/>
@@ -3691,8 +3692,8 @@
         </p:nvSpPr>
         <p:spPr>
           <a:xfrm>
-            <a:off x="1451579" y="2015732"/>
-            <a:ext cx="9603275" cy="4037749"/>
+            <a:off x="1451579" y="1853754"/>
+            <a:ext cx="9603275" cy="4199727"/>
           </a:xfrm>
         </p:spPr>
         <p:txBody>
@@ -3700,64 +3701,70 @@
           <a:lstStyle/>
           <a:p>
             <a:r>
+              <a:rPr lang="en-US" dirty="0"/>
+              <a:t>Text processing project. </a:t>
+            </a:r>
+          </a:p>
+          <a:p>
+            <a:pPr lvl="1"/>
+            <a:r>
+              <a:rPr lang="en-US" dirty="0"/>
+              <a:t>You can tackle this after today. </a:t>
+            </a:r>
+          </a:p>
+          <a:p>
+            <a:pPr lvl="1"/>
+            <a:r>
+              <a:rPr lang="en-US" dirty="0"/>
+              <a:t>Be attentive to the details – for this you need to produce a specific output. </a:t>
+            </a:r>
+          </a:p>
+          <a:p>
+            <a:pPr lvl="1"/>
+            <a:r>
+              <a:rPr lang="en-US" dirty="0"/>
+              <a:t>Trial and experimentation are probably needed, and this is pretty well suited to splitting work.</a:t>
+            </a:r>
+          </a:p>
+          <a:p>
+            <a:r>
+              <a:rPr lang="en-US" dirty="0"/>
+              <a:t>Today – more text processing and NLP. </a:t>
+            </a:r>
+          </a:p>
+          <a:p>
+            <a:pPr lvl="1"/>
+            <a:r>
+              <a:rPr lang="en-US" dirty="0"/>
+              <a:t>Dimension reduction and latent data with </a:t>
+            </a:r>
+            <a:r>
               <a:rPr lang="en-US" dirty="0" err="1"/>
-              <a:t>Asn</a:t>
-            </a:r>
-            <a:r>
-              <a:rPr lang="en-US" dirty="0"/>
-              <a:t> 1 Tree:</a:t>
+              <a:t>tsvd</a:t>
+            </a:r>
+            <a:r>
+              <a:rPr lang="en-US" dirty="0"/>
+              <a:t>. </a:t>
+            </a:r>
+          </a:p>
+          <a:p>
+            <a:r>
+              <a:rPr lang="en-US" dirty="0"/>
+              <a:t>Test – 1 week. </a:t>
             </a:r>
           </a:p>
           <a:p>
             <a:pPr lvl="1"/>
             <a:r>
               <a:rPr lang="en-US" dirty="0"/>
-              <a:t>Sample solution is up. There aren’t any major themes to discuss, most did it pretty well. </a:t>
+              <a:t>There’s a guide up on Moodle. </a:t>
             </a:r>
           </a:p>
           <a:p>
             <a:pPr lvl="1"/>
             <a:r>
               <a:rPr lang="en-US" dirty="0"/>
-              <a:t>Key is constraining overfitting – HP tuning through grid search and/or regularization via </a:t>
-            </a:r>
-            <a:r>
-              <a:rPr lang="en-US" dirty="0" err="1"/>
-              <a:t>ccp</a:t>
-            </a:r>
-            <a:r>
-              <a:rPr lang="en-US" dirty="0"/>
-              <a:t>.</a:t>
-            </a:r>
-          </a:p>
-          <a:p>
-            <a:r>
-              <a:rPr lang="en-US" dirty="0" err="1"/>
-              <a:t>Asn</a:t>
-            </a:r>
-            <a:r>
-              <a:rPr lang="en-US" dirty="0"/>
-              <a:t> 2 Questions:</a:t>
-            </a:r>
-          </a:p>
-          <a:p>
-            <a:pPr lvl="1"/>
-            <a:r>
-              <a:rPr lang="en-US" dirty="0"/>
-              <a:t>Post sample sol on Thursday. </a:t>
-            </a:r>
-          </a:p>
-          <a:p>
-            <a:pPr lvl="1"/>
-            <a:r>
-              <a:rPr lang="en-US" dirty="0"/>
-              <a:t>Most common theme is trying to do too much in one step.</a:t>
-            </a:r>
-          </a:p>
-          <a:p>
-            <a:r>
-              <a:rPr lang="en-US" dirty="0"/>
-              <a:t>More NLP – Truncated SVD and Word2Vec</a:t>
+              <a:t>It’s honestly not that hard or problematic. </a:t>
             </a:r>
           </a:p>
         </p:txBody>
@@ -4001,7 +4008,7 @@
           <p:cNvPr id="2" name="Title 1">
             <a:extLst>
               <a:ext uri="{FF2B5EF4-FFF2-40B4-BE49-F238E27FC236}">
-                <a16:creationId xmlns:a16="http://schemas.microsoft.com/office/drawing/2014/main" id="{F7BDA15F-2865-624E-88AB-16D82E0001B0}"/>
+                <a16:creationId xmlns:a16="http://schemas.microsoft.com/office/drawing/2014/main" id="{39C35859-B78D-47B0-FF03-F2BBE44C5E59}"/>
               </a:ext>
             </a:extLst>
           </p:cNvPr>
@@ -4017,10 +4024,7 @@
           <a:bodyPr/>
           <a:lstStyle/>
           <a:p>
-            <a:r>
-              <a:rPr lang="en-US" dirty="0"/>
-              <a:t>Truncated SVD - Results</a:t>
-            </a:r>
+            <a:endParaRPr lang="en-US"/>
           </a:p>
         </p:txBody>
       </p:sp>
@@ -4029,7 +4033,7 @@
           <p:cNvPr id="3" name="Content Placeholder 2">
             <a:extLst>
               <a:ext uri="{FF2B5EF4-FFF2-40B4-BE49-F238E27FC236}">
-                <a16:creationId xmlns:a16="http://schemas.microsoft.com/office/drawing/2014/main" id="{088D1D4E-CD49-FA4B-B96D-7B71B4D9CEA5}"/>
+                <a16:creationId xmlns:a16="http://schemas.microsoft.com/office/drawing/2014/main" id="{91299C50-B839-ECD0-A567-3E07EBF3FF89}"/>
               </a:ext>
             </a:extLst>
           </p:cNvPr>
@@ -4040,70 +4044,66 @@
             <p:ph idx="1"/>
           </p:nvPr>
         </p:nvSpPr>
-        <p:spPr>
+        <p:spPr/>
+        <p:txBody>
+          <a:bodyPr/>
+          <a:lstStyle/>
+          <a:p>
+            <a:endParaRPr lang="en-US"/>
+          </a:p>
+        </p:txBody>
+      </p:sp>
+      <p:pic>
+        <p:nvPicPr>
+          <p:cNvPr id="3074" name="Picture 2" descr="Latent Semantic Analysis (LSA) and Singular Value Decomposition (SVD) -  datajango">
+            <a:extLst>
+              <a:ext uri="{FF2B5EF4-FFF2-40B4-BE49-F238E27FC236}">
+                <a16:creationId xmlns:a16="http://schemas.microsoft.com/office/drawing/2014/main" id="{4299163F-BD79-423A-63E5-AF6EC6433980}"/>
+              </a:ext>
+            </a:extLst>
+          </p:cNvPr>
+          <p:cNvPicPr>
+            <a:picLocks noChangeAspect="1" noChangeArrowheads="1"/>
+          </p:cNvPicPr>
+          <p:nvPr/>
+        </p:nvPicPr>
+        <p:blipFill>
+          <a:blip r:embed="rId2">
+            <a:extLst>
+              <a:ext uri="{28A0092B-C50C-407E-A947-70E740481C1C}">
+                <a14:useLocalDpi xmlns:a14="http://schemas.microsoft.com/office/drawing/2010/main" val="0"/>
+              </a:ext>
+            </a:extLst>
+          </a:blip>
+          <a:srcRect/>
+          <a:stretch>
+            <a:fillRect/>
+          </a:stretch>
+        </p:blipFill>
+        <p:spPr bwMode="auto">
           <a:xfrm>
-            <a:off x="1451579" y="2015732"/>
-            <a:ext cx="9603275" cy="4037749"/>
+            <a:off x="0" y="0"/>
+            <a:ext cx="12192000" cy="6858000"/>
           </a:xfrm>
+          <a:prstGeom prst="rect">
+            <a:avLst/>
+          </a:prstGeom>
+          <a:noFill/>
+          <a:extLst>
+            <a:ext uri="{909E8E84-426E-40DD-AFC4-6F175D3DCCD1}">
+              <a14:hiddenFill xmlns:a14="http://schemas.microsoft.com/office/drawing/2010/main">
+                <a:solidFill>
+                  <a:srgbClr val="FFFFFF"/>
+                </a:solidFill>
+              </a14:hiddenFill>
+            </a:ext>
+          </a:extLst>
         </p:spPr>
-        <p:txBody>
-          <a:bodyPr/>
-          <a:lstStyle/>
-          <a:p>
-            <a:r>
-              <a:rPr lang="en-US" dirty="0"/>
-              <a:t>SVD aims to capture the maximum meaning with the minimum amount of data. </a:t>
-            </a:r>
-          </a:p>
-          <a:p>
-            <a:r>
-              <a:rPr lang="en-US" dirty="0"/>
-              <a:t>Only the strongest concepts are kept. </a:t>
-            </a:r>
-          </a:p>
-          <a:p>
-            <a:r>
-              <a:rPr lang="en-US" dirty="0"/>
-              <a:t>Feature set can be massively reduced. </a:t>
-            </a:r>
-          </a:p>
-          <a:p>
-            <a:r>
-              <a:rPr lang="en-US" dirty="0"/>
-              <a:t>We don’t know a good number of components going in – we need to tune it. </a:t>
-            </a:r>
-          </a:p>
-          <a:p>
-            <a:r>
-              <a:rPr lang="en-US" dirty="0"/>
-              <a:t>Prediction accuracy is usually “close”, but with a far smaller feature set. </a:t>
-            </a:r>
-          </a:p>
-          <a:p>
-            <a:pPr lvl="1"/>
-            <a:r>
-              <a:rPr lang="en-US" dirty="0"/>
-              <a:t>Accuracy won’t (likely) increase – you are tossing data. </a:t>
-            </a:r>
-          </a:p>
-          <a:p>
-            <a:r>
-              <a:rPr lang="en-US" dirty="0"/>
-              <a:t>Can’t reliably separate different meanings of one word. </a:t>
-            </a:r>
-          </a:p>
-          <a:p>
-            <a:r>
-              <a:rPr lang="en-US" dirty="0"/>
-              <a:t>Similar to how PCA reconstructs features into more meaningful components. </a:t>
-            </a:r>
-          </a:p>
-        </p:txBody>
-      </p:sp>
+      </p:pic>
     </p:spTree>
     <p:extLst>
       <p:ext uri="{BB962C8B-B14F-4D97-AF65-F5344CB8AC3E}">
-        <p14:creationId xmlns:p14="http://schemas.microsoft.com/office/powerpoint/2010/main" val="3772727615"/>
+        <p14:creationId xmlns:p14="http://schemas.microsoft.com/office/powerpoint/2010/main" val="1270576180"/>
       </p:ext>
     </p:extLst>
   </p:cSld>
@@ -4135,7 +4135,7 @@
           <p:cNvPr id="2" name="Title 1">
             <a:extLst>
               <a:ext uri="{FF2B5EF4-FFF2-40B4-BE49-F238E27FC236}">
-                <a16:creationId xmlns:a16="http://schemas.microsoft.com/office/drawing/2014/main" id="{58EEC8AC-2DCC-B80D-D838-619FC0C4C14C}"/>
+                <a16:creationId xmlns:a16="http://schemas.microsoft.com/office/drawing/2014/main" id="{F7BDA15F-2865-624E-88AB-16D82E0001B0}"/>
               </a:ext>
             </a:extLst>
           </p:cNvPr>
@@ -4153,7 +4153,7 @@
           <a:p>
             <a:r>
               <a:rPr lang="en-US" dirty="0"/>
-              <a:t>Embedding Generating Tools</a:t>
+              <a:t>Truncated SVD - Results</a:t>
             </a:r>
           </a:p>
         </p:txBody>
@@ -4163,7 +4163,7 @@
           <p:cNvPr id="3" name="Content Placeholder 2">
             <a:extLst>
               <a:ext uri="{FF2B5EF4-FFF2-40B4-BE49-F238E27FC236}">
-                <a16:creationId xmlns:a16="http://schemas.microsoft.com/office/drawing/2014/main" id="{FABD49CF-7DD4-5F36-37EB-E24713DB8258}"/>
+                <a16:creationId xmlns:a16="http://schemas.microsoft.com/office/drawing/2014/main" id="{088D1D4E-CD49-FA4B-B96D-7B71B4D9CEA5}"/>
               </a:ext>
             </a:extLst>
           </p:cNvPr>
@@ -4174,19 +4174,70 @@
             <p:ph idx="1"/>
           </p:nvPr>
         </p:nvSpPr>
-        <p:spPr/>
-        <p:txBody>
-          <a:bodyPr/>
-          <a:lstStyle/>
-          <a:p>
-            <a:endParaRPr lang="en-US"/>
+        <p:spPr>
+          <a:xfrm>
+            <a:off x="1451579" y="2015732"/>
+            <a:ext cx="9603275" cy="4037749"/>
+          </a:xfrm>
+        </p:spPr>
+        <p:txBody>
+          <a:bodyPr/>
+          <a:lstStyle/>
+          <a:p>
+            <a:r>
+              <a:rPr lang="en-US" dirty="0"/>
+              <a:t>SVD aims to capture the maximum meaning with the minimum amount of data. </a:t>
+            </a:r>
+          </a:p>
+          <a:p>
+            <a:r>
+              <a:rPr lang="en-US" dirty="0"/>
+              <a:t>Only the strongest concepts are kept. </a:t>
+            </a:r>
+          </a:p>
+          <a:p>
+            <a:r>
+              <a:rPr lang="en-US" dirty="0"/>
+              <a:t>Feature set can be massively reduced. </a:t>
+            </a:r>
+          </a:p>
+          <a:p>
+            <a:r>
+              <a:rPr lang="en-US" dirty="0"/>
+              <a:t>We don’t know a good number of components going in – we need to tune it. </a:t>
+            </a:r>
+          </a:p>
+          <a:p>
+            <a:r>
+              <a:rPr lang="en-US" dirty="0"/>
+              <a:t>Prediction accuracy is usually “close”, but with a far smaller feature set. </a:t>
+            </a:r>
+          </a:p>
+          <a:p>
+            <a:pPr lvl="1"/>
+            <a:r>
+              <a:rPr lang="en-US" dirty="0"/>
+              <a:t>Accuracy won’t (likely) increase – you are tossing data. </a:t>
+            </a:r>
+          </a:p>
+          <a:p>
+            <a:r>
+              <a:rPr lang="en-US" dirty="0"/>
+              <a:t>Can’t reliably separate different meanings of one word. </a:t>
+            </a:r>
+          </a:p>
+          <a:p>
+            <a:r>
+              <a:rPr lang="en-US" dirty="0"/>
+              <a:t>Similar to how PCA reconstructs features into more meaningful components. </a:t>
+            </a:r>
           </a:p>
         </p:txBody>
       </p:sp>
     </p:spTree>
     <p:extLst>
       <p:ext uri="{BB962C8B-B14F-4D97-AF65-F5344CB8AC3E}">
-        <p14:creationId xmlns:p14="http://schemas.microsoft.com/office/powerpoint/2010/main" val="1103754389"/>
+        <p14:creationId xmlns:p14="http://schemas.microsoft.com/office/powerpoint/2010/main" val="3772727615"/>
       </p:ext>
     </p:extLst>
   </p:cSld>
@@ -4218,6 +4269,89 @@
           <p:cNvPr id="2" name="Title 1">
             <a:extLst>
               <a:ext uri="{FF2B5EF4-FFF2-40B4-BE49-F238E27FC236}">
+                <a16:creationId xmlns:a16="http://schemas.microsoft.com/office/drawing/2014/main" id="{58EEC8AC-2DCC-B80D-D838-619FC0C4C14C}"/>
+              </a:ext>
+            </a:extLst>
+          </p:cNvPr>
+          <p:cNvSpPr>
+            <a:spLocks noGrp="1"/>
+          </p:cNvSpPr>
+          <p:nvPr>
+            <p:ph type="title"/>
+          </p:nvPr>
+        </p:nvSpPr>
+        <p:spPr/>
+        <p:txBody>
+          <a:bodyPr/>
+          <a:lstStyle/>
+          <a:p>
+            <a:r>
+              <a:rPr lang="en-US" dirty="0"/>
+              <a:t>Embedding Generating Tools</a:t>
+            </a:r>
+          </a:p>
+        </p:txBody>
+      </p:sp>
+      <p:sp>
+        <p:nvSpPr>
+          <p:cNvPr id="3" name="Content Placeholder 2">
+            <a:extLst>
+              <a:ext uri="{FF2B5EF4-FFF2-40B4-BE49-F238E27FC236}">
+                <a16:creationId xmlns:a16="http://schemas.microsoft.com/office/drawing/2014/main" id="{FABD49CF-7DD4-5F36-37EB-E24713DB8258}"/>
+              </a:ext>
+            </a:extLst>
+          </p:cNvPr>
+          <p:cNvSpPr>
+            <a:spLocks noGrp="1"/>
+          </p:cNvSpPr>
+          <p:nvPr>
+            <p:ph idx="1"/>
+          </p:nvPr>
+        </p:nvSpPr>
+        <p:spPr/>
+        <p:txBody>
+          <a:bodyPr/>
+          <a:lstStyle/>
+          <a:p>
+            <a:endParaRPr lang="en-US"/>
+          </a:p>
+        </p:txBody>
+      </p:sp>
+    </p:spTree>
+    <p:extLst>
+      <p:ext uri="{BB962C8B-B14F-4D97-AF65-F5344CB8AC3E}">
+        <p14:creationId xmlns:p14="http://schemas.microsoft.com/office/powerpoint/2010/main" val="1103754389"/>
+      </p:ext>
+    </p:extLst>
+  </p:cSld>
+  <p:clrMapOvr>
+    <a:masterClrMapping/>
+  </p:clrMapOvr>
+</p:sld>
+</file>
+
+<file path=ppt/slides/slide14.xml><?xml version="1.0" encoding="utf-8"?>
+<p:sld xmlns:a="http://schemas.openxmlformats.org/drawingml/2006/main" xmlns:r="http://schemas.openxmlformats.org/officeDocument/2006/relationships" xmlns:p="http://schemas.openxmlformats.org/presentationml/2006/main">
+  <p:cSld>
+    <p:spTree>
+      <p:nvGrpSpPr>
+        <p:cNvPr id="1" name=""/>
+        <p:cNvGrpSpPr/>
+        <p:nvPr/>
+      </p:nvGrpSpPr>
+      <p:grpSpPr>
+        <a:xfrm>
+          <a:off x="0" y="0"/>
+          <a:ext cx="0" cy="0"/>
+          <a:chOff x="0" y="0"/>
+          <a:chExt cx="0" cy="0"/>
+        </a:xfrm>
+      </p:grpSpPr>
+      <p:sp>
+        <p:nvSpPr>
+          <p:cNvPr id="2" name="Title 1">
+            <a:extLst>
+              <a:ext uri="{FF2B5EF4-FFF2-40B4-BE49-F238E27FC236}">
                 <a16:creationId xmlns:a16="http://schemas.microsoft.com/office/drawing/2014/main" id="{79ABC1E9-9DB9-D348-83D2-878E06DE33E3}"/>
               </a:ext>
             </a:extLst>
@@ -4311,7 +4445,7 @@
 </p:sld>
 </file>
 
-<file path=ppt/slides/slide14.xml><?xml version="1.0" encoding="utf-8"?>
+<file path=ppt/slides/slide15.xml><?xml version="1.0" encoding="utf-8"?>
 <p:sld xmlns:a="http://schemas.openxmlformats.org/drawingml/2006/main" xmlns:r="http://schemas.openxmlformats.org/officeDocument/2006/relationships" xmlns:p="http://schemas.openxmlformats.org/presentationml/2006/main">
   <p:cSld>
     <p:spTree>
@@ -4461,7 +4595,7 @@
 </p:sld>
 </file>
 
-<file path=ppt/slides/slide15.xml><?xml version="1.0" encoding="utf-8"?>
+<file path=ppt/slides/slide16.xml><?xml version="1.0" encoding="utf-8"?>
 <p:sld xmlns:a="http://schemas.openxmlformats.org/drawingml/2006/main" xmlns:r="http://schemas.openxmlformats.org/officeDocument/2006/relationships" xmlns:p="http://schemas.openxmlformats.org/presentationml/2006/main">
   <p:cSld>
     <p:spTree>
@@ -4591,7 +4725,7 @@
 </p:sld>
 </file>
 
-<file path=ppt/slides/slide16.xml><?xml version="1.0" encoding="utf-8"?>
+<file path=ppt/slides/slide17.xml><?xml version="1.0" encoding="utf-8"?>
 <p:sld xmlns:a="http://schemas.openxmlformats.org/drawingml/2006/main" xmlns:r="http://schemas.openxmlformats.org/officeDocument/2006/relationships" xmlns:p="http://schemas.openxmlformats.org/presentationml/2006/main">
   <p:cSld>
     <p:spTree>
@@ -4721,7 +4855,7 @@
 </p:sld>
 </file>
 
-<file path=ppt/slides/slide17.xml><?xml version="1.0" encoding="utf-8"?>
+<file path=ppt/slides/slide18.xml><?xml version="1.0" encoding="utf-8"?>
 <p:sld xmlns:a="http://schemas.openxmlformats.org/drawingml/2006/main" xmlns:r="http://schemas.openxmlformats.org/officeDocument/2006/relationships" xmlns:p="http://schemas.openxmlformats.org/presentationml/2006/main">
   <p:cSld>
     <p:spTree>
@@ -4840,15 +4974,7 @@
             <a:pPr lvl="1"/>
             <a:r>
               <a:rPr lang="en-US" dirty="0"/>
-              <a:t>E.g. there’s no “plural” axis, or “masculine” axis – the model learns the </a:t>
-            </a:r>
-            <a:r>
-              <a:rPr lang="en-US"/>
-              <a:t>dimensions needed and </a:t>
-            </a:r>
-            <a:r>
-              <a:rPr lang="en-US" dirty="0"/>
-              <a:t>they don’t need to correspond to the metrics that we’d use to “measure” a word. </a:t>
+              <a:t>E.g. there’s no “plural” axis, or “masculine” axis – the model learns the dimensions needed and they don’t need to correspond to the metrics that we’d use to “measure” a word. </a:t>
             </a:r>
           </a:p>
         </p:txBody>
@@ -4866,7 +4992,7 @@
 </p:sld>
 </file>
 
-<file path=ppt/slides/slide18.xml><?xml version="1.0" encoding="utf-8"?>
+<file path=ppt/slides/slide19.xml><?xml version="1.0" encoding="utf-8"?>
 <p:sld xmlns:a="http://schemas.openxmlformats.org/drawingml/2006/main" xmlns:r="http://schemas.openxmlformats.org/officeDocument/2006/relationships" xmlns:p="http://schemas.openxmlformats.org/presentationml/2006/main">
   <p:cSld>
     <p:spTree>
@@ -4993,7 +5119,90 @@
 </p:sld>
 </file>
 
-<file path=ppt/slides/slide19.xml><?xml version="1.0" encoding="utf-8"?>
+<file path=ppt/slides/slide2.xml><?xml version="1.0" encoding="utf-8"?>
+<p:sld xmlns:a="http://schemas.openxmlformats.org/drawingml/2006/main" xmlns:r="http://schemas.openxmlformats.org/officeDocument/2006/relationships" xmlns:p="http://schemas.openxmlformats.org/presentationml/2006/main">
+  <p:cSld>
+    <p:spTree>
+      <p:nvGrpSpPr>
+        <p:cNvPr id="1" name=""/>
+        <p:cNvGrpSpPr/>
+        <p:nvPr/>
+      </p:nvGrpSpPr>
+      <p:grpSpPr>
+        <a:xfrm>
+          <a:off x="0" y="0"/>
+          <a:ext cx="0" cy="0"/>
+          <a:chOff x="0" y="0"/>
+          <a:chExt cx="0" cy="0"/>
+        </a:xfrm>
+      </p:grpSpPr>
+      <p:sp>
+        <p:nvSpPr>
+          <p:cNvPr id="2" name="Title 1">
+            <a:extLst>
+              <a:ext uri="{FF2B5EF4-FFF2-40B4-BE49-F238E27FC236}">
+                <a16:creationId xmlns:a16="http://schemas.microsoft.com/office/drawing/2014/main" id="{A4FF979B-3BE2-8A46-8F66-12A03A428907}"/>
+              </a:ext>
+            </a:extLst>
+          </p:cNvPr>
+          <p:cNvSpPr>
+            <a:spLocks noGrp="1"/>
+          </p:cNvSpPr>
+          <p:nvPr>
+            <p:ph type="ctrTitle"/>
+          </p:nvPr>
+        </p:nvSpPr>
+        <p:spPr/>
+        <p:txBody>
+          <a:bodyPr/>
+          <a:lstStyle/>
+          <a:p>
+            <a:r>
+              <a:rPr lang="en-US" dirty="0"/>
+              <a:t>NLP Part 2</a:t>
+            </a:r>
+          </a:p>
+        </p:txBody>
+      </p:sp>
+      <p:sp>
+        <p:nvSpPr>
+          <p:cNvPr id="3" name="Subtitle 2">
+            <a:extLst>
+              <a:ext uri="{FF2B5EF4-FFF2-40B4-BE49-F238E27FC236}">
+                <a16:creationId xmlns:a16="http://schemas.microsoft.com/office/drawing/2014/main" id="{726EF9AF-2934-5C49-BEA4-8229E37E25B1}"/>
+              </a:ext>
+            </a:extLst>
+          </p:cNvPr>
+          <p:cNvSpPr>
+            <a:spLocks noGrp="1"/>
+          </p:cNvSpPr>
+          <p:nvPr>
+            <p:ph type="subTitle" idx="1"/>
+          </p:nvPr>
+        </p:nvSpPr>
+        <p:spPr/>
+        <p:txBody>
+          <a:bodyPr/>
+          <a:lstStyle/>
+          <a:p>
+            <a:endParaRPr lang="en-US"/>
+          </a:p>
+        </p:txBody>
+      </p:sp>
+    </p:spTree>
+    <p:extLst>
+      <p:ext uri="{BB962C8B-B14F-4D97-AF65-F5344CB8AC3E}">
+        <p14:creationId xmlns:p14="http://schemas.microsoft.com/office/powerpoint/2010/main" val="1673785752"/>
+      </p:ext>
+    </p:extLst>
+  </p:cSld>
+  <p:clrMapOvr>
+    <a:masterClrMapping/>
+  </p:clrMapOvr>
+</p:sld>
+</file>
+
+<file path=ppt/slides/slide20.xml><?xml version="1.0" encoding="utf-8"?>
 <p:sld xmlns:a="http://schemas.openxmlformats.org/drawingml/2006/main" xmlns:r="http://schemas.openxmlformats.org/officeDocument/2006/relationships" xmlns:p="http://schemas.openxmlformats.org/presentationml/2006/main">
   <p:cSld>
     <p:spTree>
@@ -5120,7 +5329,7 @@
 </p:sld>
 </file>
 
-<file path=ppt/slides/slide2.xml><?xml version="1.0" encoding="utf-8"?>
+<file path=ppt/slides/slide21.xml><?xml version="1.0" encoding="utf-8"?>
 <p:sld xmlns:a="http://schemas.openxmlformats.org/drawingml/2006/main" xmlns:r="http://schemas.openxmlformats.org/officeDocument/2006/relationships" xmlns:p="http://schemas.openxmlformats.org/presentationml/2006/main">
   <p:cSld>
     <p:spTree>
@@ -5142,89 +5351,6 @@
           <p:cNvPr id="2" name="Title 1">
             <a:extLst>
               <a:ext uri="{FF2B5EF4-FFF2-40B4-BE49-F238E27FC236}">
-                <a16:creationId xmlns:a16="http://schemas.microsoft.com/office/drawing/2014/main" id="{A4FF979B-3BE2-8A46-8F66-12A03A428907}"/>
-              </a:ext>
-            </a:extLst>
-          </p:cNvPr>
-          <p:cNvSpPr>
-            <a:spLocks noGrp="1"/>
-          </p:cNvSpPr>
-          <p:nvPr>
-            <p:ph type="ctrTitle"/>
-          </p:nvPr>
-        </p:nvSpPr>
-        <p:spPr/>
-        <p:txBody>
-          <a:bodyPr/>
-          <a:lstStyle/>
-          <a:p>
-            <a:r>
-              <a:rPr lang="en-US" dirty="0"/>
-              <a:t>NLP Part 2</a:t>
-            </a:r>
-          </a:p>
-        </p:txBody>
-      </p:sp>
-      <p:sp>
-        <p:nvSpPr>
-          <p:cNvPr id="3" name="Subtitle 2">
-            <a:extLst>
-              <a:ext uri="{FF2B5EF4-FFF2-40B4-BE49-F238E27FC236}">
-                <a16:creationId xmlns:a16="http://schemas.microsoft.com/office/drawing/2014/main" id="{726EF9AF-2934-5C49-BEA4-8229E37E25B1}"/>
-              </a:ext>
-            </a:extLst>
-          </p:cNvPr>
-          <p:cNvSpPr>
-            <a:spLocks noGrp="1"/>
-          </p:cNvSpPr>
-          <p:nvPr>
-            <p:ph type="subTitle" idx="1"/>
-          </p:nvPr>
-        </p:nvSpPr>
-        <p:spPr/>
-        <p:txBody>
-          <a:bodyPr/>
-          <a:lstStyle/>
-          <a:p>
-            <a:endParaRPr lang="en-US"/>
-          </a:p>
-        </p:txBody>
-      </p:sp>
-    </p:spTree>
-    <p:extLst>
-      <p:ext uri="{BB962C8B-B14F-4D97-AF65-F5344CB8AC3E}">
-        <p14:creationId xmlns:p14="http://schemas.microsoft.com/office/powerpoint/2010/main" val="1673785752"/>
-      </p:ext>
-    </p:extLst>
-  </p:cSld>
-  <p:clrMapOvr>
-    <a:masterClrMapping/>
-  </p:clrMapOvr>
-</p:sld>
-</file>
-
-<file path=ppt/slides/slide20.xml><?xml version="1.0" encoding="utf-8"?>
-<p:sld xmlns:a="http://schemas.openxmlformats.org/drawingml/2006/main" xmlns:r="http://schemas.openxmlformats.org/officeDocument/2006/relationships" xmlns:p="http://schemas.openxmlformats.org/presentationml/2006/main">
-  <p:cSld>
-    <p:spTree>
-      <p:nvGrpSpPr>
-        <p:cNvPr id="1" name=""/>
-        <p:cNvGrpSpPr/>
-        <p:nvPr/>
-      </p:nvGrpSpPr>
-      <p:grpSpPr>
-        <a:xfrm>
-          <a:off x="0" y="0"/>
-          <a:ext cx="0" cy="0"/>
-          <a:chOff x="0" y="0"/>
-          <a:chExt cx="0" cy="0"/>
-        </a:xfrm>
-      </p:grpSpPr>
-      <p:sp>
-        <p:nvSpPr>
-          <p:cNvPr id="2" name="Title 1">
-            <a:extLst>
-              <a:ext uri="{FF2B5EF4-FFF2-40B4-BE49-F238E27FC236}">
                 <a16:creationId xmlns:a16="http://schemas.microsoft.com/office/drawing/2014/main" id="{2F6D39ED-4049-484A-8A23-EF2C3DFB812B}"/>
               </a:ext>
             </a:extLst>
@@ -5322,7 +5448,7 @@
 </p:sld>
 </file>
 
-<file path=ppt/slides/slide21.xml><?xml version="1.0" encoding="utf-8"?>
+<file path=ppt/slides/slide22.xml><?xml version="1.0" encoding="utf-8"?>
 <p:sld xmlns:a="http://schemas.openxmlformats.org/drawingml/2006/main" xmlns:r="http://schemas.openxmlformats.org/officeDocument/2006/relationships" xmlns:p="http://schemas.openxmlformats.org/presentationml/2006/main">
   <p:cSld>
     <p:spTree>
@@ -6470,13 +6596,13 @@
         </p:nvSpPr>
         <p:spPr>
           <a:xfrm>
-            <a:off x="1451579" y="2015732"/>
-            <a:ext cx="9603275" cy="4037749"/>
+            <a:off x="1451579" y="1853754"/>
+            <a:ext cx="9603275" cy="4199727"/>
           </a:xfrm>
         </p:spPr>
         <p:txBody>
           <a:bodyPr>
-            <a:normAutofit fontScale="92500" lnSpcReduction="10000"/>
+            <a:normAutofit lnSpcReduction="10000"/>
           </a:bodyPr>
           <a:lstStyle/>
           <a:p>
@@ -6489,7 +6615,7 @@
             <a:pPr lvl="1"/>
             <a:r>
               <a:rPr lang="en-US" dirty="0"/>
-              <a:t>Extract meaning from large amounts of text. </a:t>
+              <a:t>Extract meaning from large amounts of text, using more advanced frequency calculations. </a:t>
             </a:r>
           </a:p>
           <a:p>
